--- a/Demo_2 Scrum.pptx
+++ b/Demo_2 Scrum.pptx
@@ -8,17 +8,17 @@
     <p:notesMasterId r:id="rId13"/>
   </p:notesMasterIdLst>
   <p:sldIdLst>
-    <p:sldId id="256" r:id="rId2"/>
-    <p:sldId id="284" r:id="rId3"/>
-    <p:sldId id="308" r:id="rId4"/>
-    <p:sldId id="307" r:id="rId5"/>
-    <p:sldId id="306" r:id="rId6"/>
-    <p:sldId id="305" r:id="rId7"/>
-    <p:sldId id="261" r:id="rId8"/>
-    <p:sldId id="300" r:id="rId9"/>
-    <p:sldId id="301" r:id="rId10"/>
-    <p:sldId id="266" r:id="rId11"/>
-    <p:sldId id="257" r:id="rId12"/>
+    <p:sldId id="257" r:id="rId2"/>
+    <p:sldId id="266" r:id="rId3"/>
+    <p:sldId id="301" r:id="rId4"/>
+    <p:sldId id="261" r:id="rId5"/>
+    <p:sldId id="300" r:id="rId6"/>
+    <p:sldId id="306" r:id="rId7"/>
+    <p:sldId id="307" r:id="rId8"/>
+    <p:sldId id="305" r:id="rId9"/>
+    <p:sldId id="308" r:id="rId10"/>
+    <p:sldId id="284" r:id="rId11"/>
+    <p:sldId id="256" r:id="rId12"/>
   </p:sldIdLst>
   <p:sldSz cx="12192000" cy="6858000"/>
   <p:notesSz cx="6858000" cy="9144000"/>
@@ -117,6 +117,11 @@
       </a:defRPr>
     </a:lvl9pPr>
   </p:defaultTextStyle>
+  <p:extLst>
+    <p:ext uri="{EFAFB233-063F-42B5-8137-9DF3F51BA10A}">
+      <p15:sldGuideLst xmlns:p15="http://schemas.microsoft.com/office/powerpoint/2012/main"/>
+    </p:ext>
+  </p:extLst>
 </p:presentation>
 </file>
 
@@ -970,7 +975,7 @@
               </a:solidFill>
               <a:latin typeface="+mn-lt"/>
             </a:rPr>
-            <a:t>Scrum Master</a:t>
+            <a:t>Scrum master</a:t>
           </a:r>
         </a:p>
       </dgm:t>
@@ -1030,13 +1035,22 @@
             </a:rPr>
           </a:br>
           <a:r>
+            <a:rPr lang="es-ES" sz="1600" b="0" noProof="0" dirty="0">
+              <a:solidFill>
+                <a:schemeClr val="tx1"/>
+              </a:solidFill>
+              <a:latin typeface="+mn-lt"/>
+            </a:rPr>
+            <a:t>Scrum </a:t>
+          </a:r>
+          <a:r>
             <a:rPr lang="es-ES" sz="1600" b="0" noProof="0" dirty="0" err="1">
               <a:solidFill>
                 <a:schemeClr val="tx1"/>
               </a:solidFill>
               <a:latin typeface="+mn-lt"/>
             </a:rPr>
-            <a:t>Developer</a:t>
+            <a:t>team</a:t>
           </a:r>
           <a:endParaRPr lang="es-ES" sz="1600" b="0" noProof="0" dirty="0">
             <a:solidFill>
@@ -1102,13 +1116,22 @@
             </a:rPr>
           </a:br>
           <a:r>
+            <a:rPr lang="es-ES" sz="1600" b="0" noProof="0" dirty="0">
+              <a:solidFill>
+                <a:schemeClr val="tx1"/>
+              </a:solidFill>
+              <a:latin typeface="+mn-lt"/>
+            </a:rPr>
+            <a:t>Scrum </a:t>
+          </a:r>
+          <a:r>
             <a:rPr lang="es-ES" sz="1600" b="0" noProof="0" dirty="0" err="1">
               <a:solidFill>
                 <a:schemeClr val="tx1"/>
               </a:solidFill>
               <a:latin typeface="+mn-lt"/>
             </a:rPr>
-            <a:t>Developer</a:t>
+            <a:t>team</a:t>
           </a:r>
           <a:endParaRPr lang="es-ES" sz="1600" b="0" noProof="0" dirty="0">
             <a:solidFill>
@@ -1164,7 +1187,7 @@
                 <a:schemeClr val="accent3"/>
               </a:solidFill>
             </a:rPr>
-            <a:t>Elena </a:t>
+            <a:t>Elena Rivas</a:t>
           </a:r>
           <a:br>
             <a:rPr lang="es-ES" sz="1600" noProof="0" dirty="0">
@@ -1174,13 +1197,22 @@
             </a:rPr>
           </a:br>
           <a:r>
+            <a:rPr lang="es-ES" sz="1600" b="0" noProof="0" dirty="0">
+              <a:solidFill>
+                <a:schemeClr val="tx1"/>
+              </a:solidFill>
+              <a:latin typeface="+mn-lt"/>
+            </a:rPr>
+            <a:t>Scrum </a:t>
+          </a:r>
+          <a:r>
             <a:rPr lang="es-ES" sz="1600" b="0" noProof="0" dirty="0" err="1">
               <a:solidFill>
                 <a:schemeClr val="tx1"/>
               </a:solidFill>
               <a:latin typeface="+mn-lt"/>
             </a:rPr>
-            <a:t>Developer</a:t>
+            <a:t>team</a:t>
           </a:r>
           <a:endParaRPr lang="es-ES" sz="1600" b="0" noProof="0" dirty="0">
             <a:solidFill>
@@ -1402,7 +1434,7 @@
       <dgm:spPr/>
     </dgm:pt>
     <dgm:pt modelId="{9B5C14B8-8D61-4009-9F8C-194486F530FA}" type="pres">
-      <dgm:prSet presAssocID="{DA3F2F2F-B5A8-4CFD-ABCE-1BC48CD913AF}" presName="nameTx" presStyleLbl="revTx" presStyleIdx="4" presStyleCnt="8" custLinFactNeighborY="17872">
+      <dgm:prSet presAssocID="{DA3F2F2F-B5A8-4CFD-ABCE-1BC48CD913AF}" presName="nameTx" presStyleLbl="revTx" presStyleIdx="4" presStyleCnt="8" custScaleX="128637" custLinFactNeighborY="17872">
         <dgm:presLayoutVars>
           <dgm:chMax val="0"/>
           <dgm:chPref val="0"/>
@@ -1564,7 +1596,7 @@
       </dsp:nvSpPr>
       <dsp:spPr>
         <a:xfrm>
-          <a:off x="499751" y="418263"/>
+          <a:off x="238432" y="418263"/>
           <a:ext cx="1918833" cy="1918833"/>
         </a:xfrm>
         <a:prstGeom prst="rect">
@@ -1612,8 +1644,8 @@
       </dsp:nvSpPr>
       <dsp:spPr>
         <a:xfrm>
-          <a:off x="508884" y="2460773"/>
-          <a:ext cx="1900568" cy="358692"/>
+          <a:off x="248493" y="2460773"/>
+          <a:ext cx="1898712" cy="358692"/>
         </a:xfrm>
         <a:prstGeom prst="rect">
           <a:avLst/>
@@ -1695,13 +1727,13 @@
               </a:solidFill>
               <a:latin typeface="+mn-lt"/>
             </a:rPr>
-            <a:t>Scrum Master</a:t>
+            <a:t>Scrum master</a:t>
           </a:r>
         </a:p>
       </dsp:txBody>
       <dsp:txXfrm>
-        <a:off x="508884" y="2460773"/>
-        <a:ext cx="1900568" cy="358692"/>
+        <a:off x="248493" y="2460773"/>
+        <a:ext cx="1898712" cy="358692"/>
       </dsp:txXfrm>
     </dsp:sp>
     <dsp:sp modelId="{7D166BBB-55AF-452C-B9A0-94A1EE55FF4F}">
@@ -1711,8 +1743,8 @@
       </dsp:nvSpPr>
       <dsp:spPr>
         <a:xfrm>
-          <a:off x="508884" y="2803400"/>
-          <a:ext cx="1900568" cy="444362"/>
+          <a:off x="248493" y="2803400"/>
+          <a:ext cx="1898712" cy="444362"/>
         </a:xfrm>
         <a:prstGeom prst="rect">
           <a:avLst/>
@@ -1743,7 +1775,7 @@
       </dsp:nvSpPr>
       <dsp:spPr>
         <a:xfrm>
-          <a:off x="2751184" y="418263"/>
+          <a:off x="2489540" y="418263"/>
           <a:ext cx="1918833" cy="1918833"/>
         </a:xfrm>
         <a:prstGeom prst="rect">
@@ -1791,8 +1823,8 @@
       </dsp:nvSpPr>
       <dsp:spPr>
         <a:xfrm>
-          <a:off x="2760317" y="2460773"/>
-          <a:ext cx="1900568" cy="358692"/>
+          <a:off x="2499601" y="2460773"/>
+          <a:ext cx="1898712" cy="358692"/>
         </a:xfrm>
         <a:prstGeom prst="rect">
           <a:avLst/>
@@ -1852,13 +1884,22 @@
             </a:rPr>
           </a:br>
           <a:r>
+            <a:rPr lang="es-ES" sz="1600" b="0" kern="1200" noProof="0" dirty="0">
+              <a:solidFill>
+                <a:schemeClr val="tx1"/>
+              </a:solidFill>
+              <a:latin typeface="+mn-lt"/>
+            </a:rPr>
+            <a:t>Scrum </a:t>
+          </a:r>
+          <a:r>
             <a:rPr lang="es-ES" sz="1600" b="0" kern="1200" noProof="0" dirty="0" err="1">
               <a:solidFill>
                 <a:schemeClr val="tx1"/>
               </a:solidFill>
               <a:latin typeface="+mn-lt"/>
             </a:rPr>
-            <a:t>Developer</a:t>
+            <a:t>team</a:t>
           </a:r>
           <a:endParaRPr lang="es-ES" sz="1600" b="0" kern="1200" noProof="0" dirty="0">
             <a:solidFill>
@@ -1869,8 +1910,8 @@
         </a:p>
       </dsp:txBody>
       <dsp:txXfrm>
-        <a:off x="2760317" y="2460773"/>
-        <a:ext cx="1900568" cy="358692"/>
+        <a:off x="2499601" y="2460773"/>
+        <a:ext cx="1898712" cy="358692"/>
       </dsp:txXfrm>
     </dsp:sp>
     <dsp:sp modelId="{1223E777-77CB-4A9A-BF21-12B513842696}">
@@ -1880,8 +1921,8 @@
       </dsp:nvSpPr>
       <dsp:spPr>
         <a:xfrm>
-          <a:off x="2760317" y="2803400"/>
-          <a:ext cx="1900568" cy="444362"/>
+          <a:off x="2499601" y="2803400"/>
+          <a:ext cx="1898712" cy="444362"/>
         </a:xfrm>
         <a:prstGeom prst="rect">
           <a:avLst/>
@@ -1912,7 +1953,7 @@
       </dsp:nvSpPr>
       <dsp:spPr>
         <a:xfrm>
-          <a:off x="5002618" y="418263"/>
+          <a:off x="5002455" y="418263"/>
           <a:ext cx="1918833" cy="1918833"/>
         </a:xfrm>
         <a:prstGeom prst="rect">
@@ -1960,8 +2001,8 @@
       </dsp:nvSpPr>
       <dsp:spPr>
         <a:xfrm>
-          <a:off x="5011751" y="2460773"/>
-          <a:ext cx="1900568" cy="358692"/>
+          <a:off x="4740649" y="2460773"/>
+          <a:ext cx="2442446" cy="358692"/>
         </a:xfrm>
         <a:prstGeom prst="rect">
           <a:avLst/>
@@ -2021,13 +2062,22 @@
             </a:rPr>
           </a:br>
           <a:r>
+            <a:rPr lang="es-ES" sz="1600" b="0" kern="1200" noProof="0" dirty="0">
+              <a:solidFill>
+                <a:schemeClr val="tx1"/>
+              </a:solidFill>
+              <a:latin typeface="+mn-lt"/>
+            </a:rPr>
+            <a:t>Scrum </a:t>
+          </a:r>
+          <a:r>
             <a:rPr lang="es-ES" sz="1600" b="0" kern="1200" noProof="0" dirty="0" err="1">
               <a:solidFill>
                 <a:schemeClr val="tx1"/>
               </a:solidFill>
               <a:latin typeface="+mn-lt"/>
             </a:rPr>
-            <a:t>Developer</a:t>
+            <a:t>team</a:t>
           </a:r>
           <a:endParaRPr lang="es-ES" sz="1600" b="0" kern="1200" noProof="0" dirty="0">
             <a:solidFill>
@@ -2038,8 +2088,8 @@
         </a:p>
       </dsp:txBody>
       <dsp:txXfrm>
-        <a:off x="5011751" y="2460773"/>
-        <a:ext cx="1900568" cy="358692"/>
+        <a:off x="4740649" y="2460773"/>
+        <a:ext cx="2442446" cy="358692"/>
       </dsp:txXfrm>
     </dsp:sp>
     <dsp:sp modelId="{EE420F84-477D-4635-BEF8-66426E9A259D}">
@@ -2049,8 +2099,8 @@
       </dsp:nvSpPr>
       <dsp:spPr>
         <a:xfrm>
-          <a:off x="5279750" y="2157896"/>
-          <a:ext cx="1900568" cy="444362"/>
+          <a:off x="5280254" y="2157896"/>
+          <a:ext cx="1898712" cy="444362"/>
         </a:xfrm>
         <a:prstGeom prst="rect">
           <a:avLst/>
@@ -2081,7 +2131,7 @@
       </dsp:nvSpPr>
       <dsp:spPr>
         <a:xfrm>
-          <a:off x="7254051" y="418263"/>
+          <a:off x="7515370" y="418263"/>
           <a:ext cx="1918833" cy="1918833"/>
         </a:xfrm>
         <a:prstGeom prst="rect">
@@ -2129,8 +2179,8 @@
       </dsp:nvSpPr>
       <dsp:spPr>
         <a:xfrm>
-          <a:off x="7263184" y="2460773"/>
-          <a:ext cx="1900568" cy="358692"/>
+          <a:off x="7525431" y="2460773"/>
+          <a:ext cx="1898712" cy="358692"/>
         </a:xfrm>
         <a:prstGeom prst="rect">
           <a:avLst/>
@@ -2180,7 +2230,7 @@
                 <a:schemeClr val="accent3"/>
               </a:solidFill>
             </a:rPr>
-            <a:t>Elena </a:t>
+            <a:t>Elena Rivas</a:t>
           </a:r>
           <a:br>
             <a:rPr lang="es-ES" sz="1600" kern="1200" noProof="0" dirty="0">
@@ -2190,13 +2240,22 @@
             </a:rPr>
           </a:br>
           <a:r>
+            <a:rPr lang="es-ES" sz="1600" b="0" kern="1200" noProof="0" dirty="0">
+              <a:solidFill>
+                <a:schemeClr val="tx1"/>
+              </a:solidFill>
+              <a:latin typeface="+mn-lt"/>
+            </a:rPr>
+            <a:t>Scrum </a:t>
+          </a:r>
+          <a:r>
             <a:rPr lang="es-ES" sz="1600" b="0" kern="1200" noProof="0" dirty="0" err="1">
               <a:solidFill>
                 <a:schemeClr val="tx1"/>
               </a:solidFill>
               <a:latin typeface="+mn-lt"/>
             </a:rPr>
-            <a:t>Developer</a:t>
+            <a:t>team</a:t>
           </a:r>
           <a:endParaRPr lang="es-ES" sz="1600" b="0" kern="1200" noProof="0" dirty="0">
             <a:solidFill>
@@ -2207,8 +2266,8 @@
         </a:p>
       </dsp:txBody>
       <dsp:txXfrm>
-        <a:off x="7263184" y="2460773"/>
-        <a:ext cx="1900568" cy="358692"/>
+        <a:off x="7525431" y="2460773"/>
+        <a:ext cx="1898712" cy="358692"/>
       </dsp:txXfrm>
     </dsp:sp>
     <dsp:sp modelId="{5A7600AF-A34B-4D03-B3D6-B3C760AE8E06}">
@@ -2218,8 +2277,8 @@
       </dsp:nvSpPr>
       <dsp:spPr>
         <a:xfrm>
-          <a:off x="7297755" y="2771352"/>
-          <a:ext cx="1900568" cy="444362"/>
+          <a:off x="7559969" y="2771352"/>
+          <a:ext cx="1898712" cy="444362"/>
         </a:xfrm>
         <a:prstGeom prst="rect">
           <a:avLst/>
@@ -3953,23 +4012,7 @@
           <a:bodyPr rtlCol="0"/>
           <a:lstStyle/>
           <a:p>
-            <a:pPr marL="0" marR="0" lvl="0" indent="0" algn="l" defTabSz="914400" rtl="0" eaLnBrk="1" fontAlgn="auto" latinLnBrk="0" hangingPunct="1">
-              <a:lnSpc>
-                <a:spcPct val="100000"/>
-              </a:lnSpc>
-              <a:spcBef>
-                <a:spcPts val="0"/>
-              </a:spcBef>
-              <a:spcAft>
-                <a:spcPts val="0"/>
-              </a:spcAft>
-              <a:buClrTx/>
-              <a:buSzTx/>
-              <a:buFontTx/>
-              <a:buNone/>
-              <a:tabLst/>
-              <a:defRPr/>
-            </a:pPr>
+            <a:pPr rtl="0"/>
             <a:endParaRPr lang="es-ES"/>
           </a:p>
         </p:txBody>
@@ -3990,9 +4033,9 @@
           <a:lstStyle/>
           <a:p>
             <a:pPr rtl="0"/>
-            <a:fld id="{0BCAE207-564E-47A1-98A5-5E5AE2BB6979}" type="slidenum">
+            <a:fld id="{3E4E2FE4-6336-4905-8984-1BD411899960}" type="slidenum">
               <a:rPr lang="es-ES" smtClean="0"/>
-              <a:t>2</a:t>
+              <a:t>1</a:t>
             </a:fld>
             <a:endParaRPr lang="es-ES"/>
           </a:p>
@@ -4001,7 +4044,7 @@
     </p:spTree>
     <p:extLst>
       <p:ext uri="{BB962C8B-B14F-4D97-AF65-F5344CB8AC3E}">
-        <p14:creationId xmlns:p14="http://schemas.microsoft.com/office/powerpoint/2010/main" val="3447041146"/>
+        <p14:creationId xmlns:p14="http://schemas.microsoft.com/office/powerpoint/2010/main" val="655051644"/>
       </p:ext>
     </p:extLst>
   </p:cSld>
@@ -4055,7 +4098,23 @@
           <a:bodyPr rtlCol="0"/>
           <a:lstStyle/>
           <a:p>
-            <a:pPr rtl="0"/>
+            <a:pPr marL="0" marR="0" lvl="0" indent="0" algn="l" defTabSz="914400" rtl="0" eaLnBrk="1" fontAlgn="auto" latinLnBrk="0" hangingPunct="1">
+              <a:lnSpc>
+                <a:spcPct val="100000"/>
+              </a:lnSpc>
+              <a:spcBef>
+                <a:spcPts val="0"/>
+              </a:spcBef>
+              <a:spcAft>
+                <a:spcPts val="0"/>
+              </a:spcAft>
+              <a:buClrTx/>
+              <a:buSzTx/>
+              <a:buFontTx/>
+              <a:buNone/>
+              <a:tabLst/>
+              <a:defRPr/>
+            </a:pPr>
             <a:endParaRPr lang="es-ES"/>
           </a:p>
         </p:txBody>
@@ -4076,9 +4135,9 @@
           <a:lstStyle/>
           <a:p>
             <a:pPr rtl="0"/>
-            <a:fld id="{3E4E2FE4-6336-4905-8984-1BD411899960}" type="slidenum">
+            <a:fld id="{0BCAE207-564E-47A1-98A5-5E5AE2BB6979}" type="slidenum">
               <a:rPr lang="es-ES" smtClean="0"/>
-              <a:t>11</a:t>
+              <a:t>10</a:t>
             </a:fld>
             <a:endParaRPr lang="es-ES"/>
           </a:p>
@@ -4087,7 +4146,7 @@
     </p:spTree>
     <p:extLst>
       <p:ext uri="{BB962C8B-B14F-4D97-AF65-F5344CB8AC3E}">
-        <p14:creationId xmlns:p14="http://schemas.microsoft.com/office/powerpoint/2010/main" val="655051644"/>
+        <p14:creationId xmlns:p14="http://schemas.microsoft.com/office/powerpoint/2010/main" val="3447041146"/>
       </p:ext>
     </p:extLst>
   </p:cSld>
@@ -4162,9 +4221,9 @@
           <a:lstStyle/>
           <a:p>
             <a:pPr rtl="0"/>
-            <a:fld id="{5EA4659E-A7B0-4A2F-BECA-8203412B3401}" type="slidenum">
+            <a:fld id="{0A11C694-FCB4-4B09-A0E2-0EA21922B48C}" type="slidenum">
               <a:rPr lang="es-ES" smtClean="0"/>
-              <a:t>3</a:t>
+              <a:t>2</a:t>
             </a:fld>
             <a:endParaRPr lang="es-ES"/>
           </a:p>
@@ -4173,7 +4232,7 @@
     </p:spTree>
     <p:extLst>
       <p:ext uri="{BB962C8B-B14F-4D97-AF65-F5344CB8AC3E}">
-        <p14:creationId xmlns:p14="http://schemas.microsoft.com/office/powerpoint/2010/main" val="1589340595"/>
+        <p14:creationId xmlns:p14="http://schemas.microsoft.com/office/powerpoint/2010/main" val="4103377551"/>
       </p:ext>
     </p:extLst>
   </p:cSld>
@@ -4248,9 +4307,9 @@
           <a:lstStyle/>
           <a:p>
             <a:pPr rtl="0"/>
-            <a:fld id="{0A11C694-FCB4-4B09-A0E2-0EA21922B48C}" type="slidenum">
+            <a:fld id="{17AF6B84-22F7-4900-A10E-54CE716102EC}" type="slidenum">
               <a:rPr lang="es-ES" smtClean="0"/>
-              <a:t>4</a:t>
+              <a:t>3</a:t>
             </a:fld>
             <a:endParaRPr lang="es-ES"/>
           </a:p>
@@ -4259,7 +4318,7 @@
     </p:spTree>
     <p:extLst>
       <p:ext uri="{BB962C8B-B14F-4D97-AF65-F5344CB8AC3E}">
-        <p14:creationId xmlns:p14="http://schemas.microsoft.com/office/powerpoint/2010/main" val="1332170028"/>
+        <p14:creationId xmlns:p14="http://schemas.microsoft.com/office/powerpoint/2010/main" val="3550928518"/>
       </p:ext>
     </p:extLst>
   </p:cSld>
@@ -4336,7 +4395,7 @@
             <a:pPr rtl="0"/>
             <a:fld id="{0A11C694-FCB4-4B09-A0E2-0EA21922B48C}" type="slidenum">
               <a:rPr lang="es-ES" smtClean="0"/>
-              <a:t>5</a:t>
+              <a:t>4</a:t>
             </a:fld>
             <a:endParaRPr lang="es-ES"/>
           </a:p>
@@ -4345,7 +4404,7 @@
     </p:spTree>
     <p:extLst>
       <p:ext uri="{BB962C8B-B14F-4D97-AF65-F5344CB8AC3E}">
-        <p14:creationId xmlns:p14="http://schemas.microsoft.com/office/powerpoint/2010/main" val="2016763421"/>
+        <p14:creationId xmlns:p14="http://schemas.microsoft.com/office/powerpoint/2010/main" val="1740862275"/>
       </p:ext>
     </p:extLst>
   </p:cSld>
@@ -4399,7 +4458,23 @@
           <a:bodyPr rtlCol="0"/>
           <a:lstStyle/>
           <a:p>
-            <a:pPr rtl="0"/>
+            <a:pPr marL="0" marR="0" lvl="0" indent="0" algn="l" defTabSz="914400" rtl="0" eaLnBrk="1" fontAlgn="auto" latinLnBrk="0" hangingPunct="1">
+              <a:lnSpc>
+                <a:spcPct val="100000"/>
+              </a:lnSpc>
+              <a:spcBef>
+                <a:spcPts val="0"/>
+              </a:spcBef>
+              <a:spcAft>
+                <a:spcPts val="0"/>
+              </a:spcAft>
+              <a:buClrTx/>
+              <a:buSzTx/>
+              <a:buFontTx/>
+              <a:buNone/>
+              <a:tabLst/>
+              <a:defRPr/>
+            </a:pPr>
             <a:endParaRPr lang="es-ES"/>
           </a:p>
         </p:txBody>
@@ -4420,9 +4495,9 @@
           <a:lstStyle/>
           <a:p>
             <a:pPr rtl="0"/>
-            <a:fld id="{5EA4659E-A7B0-4A2F-BECA-8203412B3401}" type="slidenum">
+            <a:fld id="{0BCAE207-564E-47A1-98A5-5E5AE2BB6979}" type="slidenum">
               <a:rPr lang="es-ES" smtClean="0"/>
-              <a:t>6</a:t>
+              <a:t>5</a:t>
             </a:fld>
             <a:endParaRPr lang="es-ES"/>
           </a:p>
@@ -4431,7 +4506,7 @@
     </p:spTree>
     <p:extLst>
       <p:ext uri="{BB962C8B-B14F-4D97-AF65-F5344CB8AC3E}">
-        <p14:creationId xmlns:p14="http://schemas.microsoft.com/office/powerpoint/2010/main" val="2918394461"/>
+        <p14:creationId xmlns:p14="http://schemas.microsoft.com/office/powerpoint/2010/main" val="259841676"/>
       </p:ext>
     </p:extLst>
   </p:cSld>
@@ -4508,7 +4583,7 @@
             <a:pPr rtl="0"/>
             <a:fld id="{0A11C694-FCB4-4B09-A0E2-0EA21922B48C}" type="slidenum">
               <a:rPr lang="es-ES" smtClean="0"/>
-              <a:t>7</a:t>
+              <a:t>6</a:t>
             </a:fld>
             <a:endParaRPr lang="es-ES"/>
           </a:p>
@@ -4517,7 +4592,7 @@
     </p:spTree>
     <p:extLst>
       <p:ext uri="{BB962C8B-B14F-4D97-AF65-F5344CB8AC3E}">
-        <p14:creationId xmlns:p14="http://schemas.microsoft.com/office/powerpoint/2010/main" val="1740862275"/>
+        <p14:creationId xmlns:p14="http://schemas.microsoft.com/office/powerpoint/2010/main" val="2016763421"/>
       </p:ext>
     </p:extLst>
   </p:cSld>
@@ -4571,23 +4646,7 @@
           <a:bodyPr rtlCol="0"/>
           <a:lstStyle/>
           <a:p>
-            <a:pPr marL="0" marR="0" lvl="0" indent="0" algn="l" defTabSz="914400" rtl="0" eaLnBrk="1" fontAlgn="auto" latinLnBrk="0" hangingPunct="1">
-              <a:lnSpc>
-                <a:spcPct val="100000"/>
-              </a:lnSpc>
-              <a:spcBef>
-                <a:spcPts val="0"/>
-              </a:spcBef>
-              <a:spcAft>
-                <a:spcPts val="0"/>
-              </a:spcAft>
-              <a:buClrTx/>
-              <a:buSzTx/>
-              <a:buFontTx/>
-              <a:buNone/>
-              <a:tabLst/>
-              <a:defRPr/>
-            </a:pPr>
+            <a:pPr rtl="0"/>
             <a:endParaRPr lang="es-ES"/>
           </a:p>
         </p:txBody>
@@ -4608,9 +4667,9 @@
           <a:lstStyle/>
           <a:p>
             <a:pPr rtl="0"/>
-            <a:fld id="{0BCAE207-564E-47A1-98A5-5E5AE2BB6979}" type="slidenum">
+            <a:fld id="{0A11C694-FCB4-4B09-A0E2-0EA21922B48C}" type="slidenum">
               <a:rPr lang="es-ES" smtClean="0"/>
-              <a:t>8</a:t>
+              <a:t>7</a:t>
             </a:fld>
             <a:endParaRPr lang="es-ES"/>
           </a:p>
@@ -4619,7 +4678,7 @@
     </p:spTree>
     <p:extLst>
       <p:ext uri="{BB962C8B-B14F-4D97-AF65-F5344CB8AC3E}">
-        <p14:creationId xmlns:p14="http://schemas.microsoft.com/office/powerpoint/2010/main" val="259841676"/>
+        <p14:creationId xmlns:p14="http://schemas.microsoft.com/office/powerpoint/2010/main" val="1332170028"/>
       </p:ext>
     </p:extLst>
   </p:cSld>
@@ -4694,9 +4753,9 @@
           <a:lstStyle/>
           <a:p>
             <a:pPr rtl="0"/>
-            <a:fld id="{17AF6B84-22F7-4900-A10E-54CE716102EC}" type="slidenum">
+            <a:fld id="{5EA4659E-A7B0-4A2F-BECA-8203412B3401}" type="slidenum">
               <a:rPr lang="es-ES" smtClean="0"/>
-              <a:t>9</a:t>
+              <a:t>8</a:t>
             </a:fld>
             <a:endParaRPr lang="es-ES"/>
           </a:p>
@@ -4705,7 +4764,7 @@
     </p:spTree>
     <p:extLst>
       <p:ext uri="{BB962C8B-B14F-4D97-AF65-F5344CB8AC3E}">
-        <p14:creationId xmlns:p14="http://schemas.microsoft.com/office/powerpoint/2010/main" val="3550928518"/>
+        <p14:creationId xmlns:p14="http://schemas.microsoft.com/office/powerpoint/2010/main" val="2918394461"/>
       </p:ext>
     </p:extLst>
   </p:cSld>
@@ -4780,9 +4839,9 @@
           <a:lstStyle/>
           <a:p>
             <a:pPr rtl="0"/>
-            <a:fld id="{0A11C694-FCB4-4B09-A0E2-0EA21922B48C}" type="slidenum">
+            <a:fld id="{5EA4659E-A7B0-4A2F-BECA-8203412B3401}" type="slidenum">
               <a:rPr lang="es-ES" smtClean="0"/>
-              <a:t>10</a:t>
+              <a:t>9</a:t>
             </a:fld>
             <a:endParaRPr lang="es-ES"/>
           </a:p>
@@ -4791,7 +4850,7 @@
     </p:spTree>
     <p:extLst>
       <p:ext uri="{BB962C8B-B14F-4D97-AF65-F5344CB8AC3E}">
-        <p14:creationId xmlns:p14="http://schemas.microsoft.com/office/powerpoint/2010/main" val="4103377551"/>
+        <p14:creationId xmlns:p14="http://schemas.microsoft.com/office/powerpoint/2010/main" val="1589340595"/>
       </p:ext>
     </p:extLst>
   </p:cSld>
@@ -11686,243 +11745,6 @@
       </p:grpSpPr>
       <p:sp>
         <p:nvSpPr>
-          <p:cNvPr id="6" name="Subtítulo 5">
-            <a:extLst>
-              <a:ext uri="{FF2B5EF4-FFF2-40B4-BE49-F238E27FC236}">
-                <a16:creationId xmlns:a16="http://schemas.microsoft.com/office/drawing/2014/main" id="{3C44729C-C866-4764-3CEF-03B2F8CCFF7B}"/>
-              </a:ext>
-            </a:extLst>
-          </p:cNvPr>
-          <p:cNvSpPr>
-            <a:spLocks noGrp="1"/>
-          </p:cNvSpPr>
-          <p:nvPr>
-            <p:ph type="subTitle" idx="1"/>
-          </p:nvPr>
-        </p:nvSpPr>
-        <p:spPr/>
-        <p:txBody>
-          <a:bodyPr/>
-          <a:lstStyle/>
-          <a:p>
-            <a:endParaRPr lang="es-ES"/>
-          </a:p>
-        </p:txBody>
-      </p:sp>
-    </p:spTree>
-    <p:extLst>
-      <p:ext uri="{BB962C8B-B14F-4D97-AF65-F5344CB8AC3E}">
-        <p14:creationId xmlns:p14="http://schemas.microsoft.com/office/powerpoint/2010/main" val="512201095"/>
-      </p:ext>
-    </p:extLst>
-  </p:cSld>
-  <p:clrMapOvr>
-    <a:masterClrMapping/>
-  </p:clrMapOvr>
-</p:sld>
-</file>
-
-<file path=ppt/slides/slide10.xml><?xml version="1.0" encoding="utf-8"?>
-<p:sld xmlns:a="http://schemas.openxmlformats.org/drawingml/2006/main" xmlns:r="http://schemas.openxmlformats.org/officeDocument/2006/relationships" xmlns:p="http://schemas.openxmlformats.org/presentationml/2006/main">
-  <p:cSld>
-    <p:spTree>
-      <p:nvGrpSpPr>
-        <p:cNvPr id="1" name=""/>
-        <p:cNvGrpSpPr/>
-        <p:nvPr/>
-      </p:nvGrpSpPr>
-      <p:grpSpPr>
-        <a:xfrm>
-          <a:off x="0" y="0"/>
-          <a:ext cx="0" cy="0"/>
-          <a:chOff x="0" y="0"/>
-          <a:chExt cx="0" cy="0"/>
-        </a:xfrm>
-      </p:grpSpPr>
-      <p:sp>
-        <p:nvSpPr>
-          <p:cNvPr id="3" name="Título 2">
-            <a:extLst>
-              <a:ext uri="{FF2B5EF4-FFF2-40B4-BE49-F238E27FC236}">
-                <a16:creationId xmlns:a16="http://schemas.microsoft.com/office/drawing/2014/main" id="{1AD8E0FE-CD1D-48DB-9832-7196271719E1}"/>
-              </a:ext>
-            </a:extLst>
-          </p:cNvPr>
-          <p:cNvSpPr>
-            <a:spLocks noGrp="1"/>
-          </p:cNvSpPr>
-          <p:nvPr>
-            <p:ph type="title"/>
-          </p:nvPr>
-        </p:nvSpPr>
-        <p:spPr/>
-        <p:txBody>
-          <a:bodyPr rtlCol="0"/>
-          <a:lstStyle/>
-          <a:p>
-            <a:pPr rtl="0"/>
-            <a:r>
-              <a:rPr lang="es-ES" b="1" noProof="1">
-                <a:solidFill>
-                  <a:schemeClr val="accent1"/>
-                </a:solidFill>
-              </a:rPr>
-              <a:t>Equipo</a:t>
-            </a:r>
-          </a:p>
-        </p:txBody>
-      </p:sp>
-      <p:graphicFrame>
-        <p:nvGraphicFramePr>
-          <p:cNvPr id="24" name="Marcador de contenido 2" descr="Marcador de posición de contenido de equipo">
-            <a:extLst>
-              <a:ext uri="{FF2B5EF4-FFF2-40B4-BE49-F238E27FC236}">
-                <a16:creationId xmlns:a16="http://schemas.microsoft.com/office/drawing/2014/main" id="{62E5FA6E-311D-4C12-B805-12877B4C3668}"/>
-              </a:ext>
-            </a:extLst>
-          </p:cNvPr>
-          <p:cNvGraphicFramePr>
-            <a:graphicFrameLocks noGrp="1"/>
-          </p:cNvGraphicFramePr>
-          <p:nvPr>
-            <p:ph sz="quarter" idx="13"/>
-            <p:extLst>
-              <p:ext uri="{D42A27DB-BD31-4B8C-83A1-F6EECF244321}">
-                <p14:modId xmlns:p14="http://schemas.microsoft.com/office/powerpoint/2010/main" val="386354586"/>
-              </p:ext>
-            </p:extLst>
-          </p:nvPr>
-        </p:nvGraphicFramePr>
-        <p:xfrm>
-          <a:off x="715963" y="733425"/>
-          <a:ext cx="9672637" cy="3462338"/>
-        </p:xfrm>
-        <a:graphic>
-          <a:graphicData uri="http://schemas.openxmlformats.org/drawingml/2006/diagram">
-            <dgm:relIds xmlns:dgm="http://schemas.openxmlformats.org/drawingml/2006/diagram" xmlns:r="http://schemas.openxmlformats.org/officeDocument/2006/relationships" r:dm="rId3" r:lo="rId4" r:qs="rId5" r:cs="rId6"/>
-          </a:graphicData>
-        </a:graphic>
-      </p:graphicFrame>
-      <p:sp>
-        <p:nvSpPr>
-          <p:cNvPr id="11" name="Marcador de fecha 10">
-            <a:extLst>
-              <a:ext uri="{FF2B5EF4-FFF2-40B4-BE49-F238E27FC236}">
-                <a16:creationId xmlns:a16="http://schemas.microsoft.com/office/drawing/2014/main" id="{BD68975C-4EF0-4B56-AB03-61D90E6847D9}"/>
-              </a:ext>
-            </a:extLst>
-          </p:cNvPr>
-          <p:cNvSpPr>
-            <a:spLocks noGrp="1"/>
-          </p:cNvSpPr>
-          <p:nvPr>
-            <p:ph type="dt" sz="half" idx="10"/>
-          </p:nvPr>
-        </p:nvSpPr>
-        <p:spPr/>
-        <p:txBody>
-          <a:bodyPr rtlCol="0"/>
-          <a:lstStyle/>
-          <a:p>
-            <a:pPr rtl="0"/>
-            <a:r>
-              <a:rPr lang="es-ES" dirty="0"/>
-              <a:t>17/06/2024</a:t>
-            </a:r>
-            <a:endParaRPr lang="es-ES" noProof="1"/>
-          </a:p>
-        </p:txBody>
-      </p:sp>
-      <p:sp>
-        <p:nvSpPr>
-          <p:cNvPr id="17" name="Marcador de pie de página 16">
-            <a:extLst>
-              <a:ext uri="{FF2B5EF4-FFF2-40B4-BE49-F238E27FC236}">
-                <a16:creationId xmlns:a16="http://schemas.microsoft.com/office/drawing/2014/main" id="{E6F05D51-B348-4E46-9332-FDA5A0AFF921}"/>
-              </a:ext>
-            </a:extLst>
-          </p:cNvPr>
-          <p:cNvSpPr>
-            <a:spLocks noGrp="1"/>
-          </p:cNvSpPr>
-          <p:nvPr>
-            <p:ph type="ftr" sz="quarter" idx="11"/>
-          </p:nvPr>
-        </p:nvSpPr>
-        <p:spPr/>
-        <p:txBody>
-          <a:bodyPr rtlCol="0" anchor="t"/>
-          <a:lstStyle/>
-          <a:p>
-            <a:pPr rtl="0"/>
-            <a:r>
-              <a:rPr lang="es-ES" b="1" noProof="1"/>
-              <a:t>JUEGOS CLÁSICOS EN PYTHON</a:t>
-            </a:r>
-          </a:p>
-        </p:txBody>
-      </p:sp>
-      <p:sp>
-        <p:nvSpPr>
-          <p:cNvPr id="18" name="Marcador de número de diapositiva 17">
-            <a:extLst>
-              <a:ext uri="{FF2B5EF4-FFF2-40B4-BE49-F238E27FC236}">
-                <a16:creationId xmlns:a16="http://schemas.microsoft.com/office/drawing/2014/main" id="{8B4F1708-F345-4EB5-9655-4B0102B9E565}"/>
-              </a:ext>
-            </a:extLst>
-          </p:cNvPr>
-          <p:cNvSpPr>
-            <a:spLocks noGrp="1"/>
-          </p:cNvSpPr>
-          <p:nvPr>
-            <p:ph type="sldNum" sz="quarter" idx="12"/>
-          </p:nvPr>
-        </p:nvSpPr>
-        <p:spPr/>
-        <p:txBody>
-          <a:bodyPr rtlCol="0"/>
-          <a:lstStyle/>
-          <a:p>
-            <a:pPr rtl="0"/>
-            <a:r>
-              <a:rPr lang="es-ES" noProof="1"/>
-              <a:t>2</a:t>
-            </a:r>
-          </a:p>
-        </p:txBody>
-      </p:sp>
-    </p:spTree>
-    <p:extLst>
-      <p:ext uri="{BB962C8B-B14F-4D97-AF65-F5344CB8AC3E}">
-        <p14:creationId xmlns:p14="http://schemas.microsoft.com/office/powerpoint/2010/main" val="3255580381"/>
-      </p:ext>
-    </p:extLst>
-  </p:cSld>
-  <p:clrMapOvr>
-    <a:masterClrMapping/>
-  </p:clrMapOvr>
-</p:sld>
-</file>
-
-<file path=ppt/slides/slide11.xml><?xml version="1.0" encoding="utf-8"?>
-<p:sld xmlns:a="http://schemas.openxmlformats.org/drawingml/2006/main" xmlns:r="http://schemas.openxmlformats.org/officeDocument/2006/relationships" xmlns:p="http://schemas.openxmlformats.org/presentationml/2006/main">
-  <p:cSld>
-    <p:spTree>
-      <p:nvGrpSpPr>
-        <p:cNvPr id="1" name=""/>
-        <p:cNvGrpSpPr/>
-        <p:nvPr/>
-      </p:nvGrpSpPr>
-      <p:grpSpPr>
-        <a:xfrm>
-          <a:off x="0" y="0"/>
-          <a:ext cx="0" cy="0"/>
-          <a:chOff x="0" y="0"/>
-          <a:chExt cx="0" cy="0"/>
-        </a:xfrm>
-      </p:grpSpPr>
-      <p:sp>
-        <p:nvSpPr>
           <p:cNvPr id="2" name="Título 1">
             <a:extLst>
               <a:ext uri="{FF2B5EF4-FFF2-40B4-BE49-F238E27FC236}">
@@ -12171,7 +11993,7 @@
 </p:sld>
 </file>
 
-<file path=ppt/slides/slide2.xml><?xml version="1.0" encoding="utf-8"?>
+<file path=ppt/slides/slide10.xml><?xml version="1.0" encoding="utf-8"?>
 <p:sld xmlns:a="http://schemas.openxmlformats.org/drawingml/2006/main" xmlns:r="http://schemas.openxmlformats.org/officeDocument/2006/relationships" xmlns:p="http://schemas.openxmlformats.org/presentationml/2006/main">
   <p:cSld>
     <p:spTree>
@@ -12214,7 +12036,14 @@
           <a:bodyPr rtlCol="0"/>
           <a:lstStyle/>
           <a:p>
-            <a:pPr rtl="0"/>
+            <a:pPr algn="ctr" rtl="0">
+              <a:spcBef>
+                <a:spcPts val="0"/>
+              </a:spcBef>
+              <a:spcAft>
+                <a:spcPts val="0"/>
+              </a:spcAft>
+            </a:pPr>
             <a:r>
               <a:rPr lang="es-ES" b="1" dirty="0">
                 <a:solidFill>
@@ -12223,6 +12052,72 @@
               </a:rPr>
               <a:t>Gracias</a:t>
             </a:r>
+            <a:br>
+              <a:rPr lang="es-ES" b="1" dirty="0">
+                <a:solidFill>
+                  <a:schemeClr val="accent1"/>
+                </a:solidFill>
+              </a:rPr>
+            </a:br>
+            <a:br>
+              <a:rPr lang="es-ES" b="1" dirty="0">
+                <a:solidFill>
+                  <a:schemeClr val="accent1"/>
+                </a:solidFill>
+              </a:rPr>
+            </a:br>
+            <a:r>
+              <a:rPr lang="es-ES" sz="1800" b="0" i="0" u="none" strike="noStrike" dirty="0">
+                <a:solidFill>
+                  <a:srgbClr val="741B47"/>
+                </a:solidFill>
+                <a:effectLst/>
+                <a:highlight>
+                  <a:srgbClr val="FFFFFF"/>
+                </a:highlight>
+                <a:latin typeface="Arial" panose="020B0604020202020204" pitchFamily="34" charset="0"/>
+              </a:rPr>
+              <a:t>Agradecimientos    </a:t>
+            </a:r>
+            <a:r>
+              <a:rPr lang="es-ES" sz="1800" b="0" i="0" u="none" strike="noStrike" dirty="0" err="1">
+                <a:solidFill>
+                  <a:srgbClr val="741B47"/>
+                </a:solidFill>
+                <a:effectLst/>
+                <a:highlight>
+                  <a:srgbClr val="FFFFFF"/>
+                </a:highlight>
+                <a:latin typeface="Arial" panose="020B0604020202020204" pitchFamily="34" charset="0"/>
+              </a:rPr>
+              <a:t>feedback</a:t>
+            </a:r>
+            <a:r>
+              <a:rPr lang="es-ES" sz="1800" b="0" i="0" u="none" strike="noStrike" dirty="0">
+                <a:solidFill>
+                  <a:srgbClr val="741B47"/>
+                </a:solidFill>
+                <a:effectLst/>
+                <a:highlight>
+                  <a:srgbClr val="FFFFFF"/>
+                </a:highlight>
+                <a:latin typeface="Arial" panose="020B0604020202020204" pitchFamily="34" charset="0"/>
+              </a:rPr>
+              <a:t> y cierre</a:t>
+            </a:r>
+            <a:br>
+              <a:rPr lang="es-ES" b="0" dirty="0">
+                <a:effectLst/>
+              </a:rPr>
+            </a:br>
+            <a:br>
+              <a:rPr lang="es-ES" dirty="0"/>
+            </a:br>
+            <a:endParaRPr lang="es-ES" b="1" dirty="0">
+              <a:solidFill>
+                <a:schemeClr val="accent1"/>
+              </a:solidFill>
+            </a:endParaRPr>
           </a:p>
         </p:txBody>
       </p:sp>
@@ -12438,6 +12333,278 @@
 </p:sld>
 </file>
 
+<file path=ppt/slides/slide11.xml><?xml version="1.0" encoding="utf-8"?>
+<p:sld xmlns:a="http://schemas.openxmlformats.org/drawingml/2006/main" xmlns:r="http://schemas.openxmlformats.org/officeDocument/2006/relationships" xmlns:p="http://schemas.openxmlformats.org/presentationml/2006/main">
+  <p:cSld>
+    <p:spTree>
+      <p:nvGrpSpPr>
+        <p:cNvPr id="1" name=""/>
+        <p:cNvGrpSpPr/>
+        <p:nvPr/>
+      </p:nvGrpSpPr>
+      <p:grpSpPr>
+        <a:xfrm>
+          <a:off x="0" y="0"/>
+          <a:ext cx="0" cy="0"/>
+          <a:chOff x="0" y="0"/>
+          <a:chExt cx="0" cy="0"/>
+        </a:xfrm>
+      </p:grpSpPr>
+      <p:sp>
+        <p:nvSpPr>
+          <p:cNvPr id="6" name="Subtítulo 5">
+            <a:extLst>
+              <a:ext uri="{FF2B5EF4-FFF2-40B4-BE49-F238E27FC236}">
+                <a16:creationId xmlns:a16="http://schemas.microsoft.com/office/drawing/2014/main" id="{3C44729C-C866-4764-3CEF-03B2F8CCFF7B}"/>
+              </a:ext>
+            </a:extLst>
+          </p:cNvPr>
+          <p:cNvSpPr>
+            <a:spLocks noGrp="1"/>
+          </p:cNvSpPr>
+          <p:nvPr>
+            <p:ph type="subTitle" idx="1"/>
+          </p:nvPr>
+        </p:nvSpPr>
+        <p:spPr/>
+        <p:txBody>
+          <a:bodyPr/>
+          <a:lstStyle/>
+          <a:p>
+            <a:endParaRPr lang="es-ES"/>
+          </a:p>
+        </p:txBody>
+      </p:sp>
+    </p:spTree>
+    <p:extLst>
+      <p:ext uri="{BB962C8B-B14F-4D97-AF65-F5344CB8AC3E}">
+        <p14:creationId xmlns:p14="http://schemas.microsoft.com/office/powerpoint/2010/main" val="512201095"/>
+      </p:ext>
+    </p:extLst>
+  </p:cSld>
+  <p:clrMapOvr>
+    <a:masterClrMapping/>
+  </p:clrMapOvr>
+</p:sld>
+</file>
+
+<file path=ppt/slides/slide2.xml><?xml version="1.0" encoding="utf-8"?>
+<p:sld xmlns:a="http://schemas.openxmlformats.org/drawingml/2006/main" xmlns:r="http://schemas.openxmlformats.org/officeDocument/2006/relationships" xmlns:p="http://schemas.openxmlformats.org/presentationml/2006/main">
+  <p:cSld>
+    <p:spTree>
+      <p:nvGrpSpPr>
+        <p:cNvPr id="1" name=""/>
+        <p:cNvGrpSpPr/>
+        <p:nvPr/>
+      </p:nvGrpSpPr>
+      <p:grpSpPr>
+        <a:xfrm>
+          <a:off x="0" y="0"/>
+          <a:ext cx="0" cy="0"/>
+          <a:chOff x="0" y="0"/>
+          <a:chExt cx="0" cy="0"/>
+        </a:xfrm>
+      </p:grpSpPr>
+      <p:sp>
+        <p:nvSpPr>
+          <p:cNvPr id="3" name="Título 2">
+            <a:extLst>
+              <a:ext uri="{FF2B5EF4-FFF2-40B4-BE49-F238E27FC236}">
+                <a16:creationId xmlns:a16="http://schemas.microsoft.com/office/drawing/2014/main" id="{1AD8E0FE-CD1D-48DB-9832-7196271719E1}"/>
+              </a:ext>
+            </a:extLst>
+          </p:cNvPr>
+          <p:cNvSpPr>
+            <a:spLocks noGrp="1"/>
+          </p:cNvSpPr>
+          <p:nvPr>
+            <p:ph type="title"/>
+          </p:nvPr>
+        </p:nvSpPr>
+        <p:spPr/>
+        <p:txBody>
+          <a:bodyPr rtlCol="0"/>
+          <a:lstStyle/>
+          <a:p>
+            <a:pPr rtl="0"/>
+            <a:r>
+              <a:rPr lang="es-ES" b="1" noProof="1">
+                <a:solidFill>
+                  <a:schemeClr val="accent1"/>
+                </a:solidFill>
+              </a:rPr>
+              <a:t>Equipo </a:t>
+            </a:r>
+            <a:r>
+              <a:rPr lang="es-ES" sz="1800" b="0" i="0" u="none" strike="noStrike" dirty="0">
+                <a:solidFill>
+                  <a:srgbClr val="741B47"/>
+                </a:solidFill>
+                <a:effectLst/>
+                <a:latin typeface="Arial" panose="020B0604020202020204" pitchFamily="34" charset="0"/>
+              </a:rPr>
+              <a:t>Presentamos a nuestro equipo de forma profesional y los roles de cada una (scrum </a:t>
+            </a:r>
+            <a:r>
+              <a:rPr lang="es-ES" sz="1800" b="0" i="0" u="none" strike="noStrike" dirty="0" err="1">
+                <a:solidFill>
+                  <a:srgbClr val="741B47"/>
+                </a:solidFill>
+                <a:effectLst/>
+                <a:latin typeface="Arial" panose="020B0604020202020204" pitchFamily="34" charset="0"/>
+              </a:rPr>
+              <a:t>team</a:t>
+            </a:r>
+            <a:r>
+              <a:rPr lang="es-ES" sz="1800" b="0" i="0" u="none" strike="noStrike" dirty="0">
+                <a:solidFill>
+                  <a:srgbClr val="741B47"/>
+                </a:solidFill>
+                <a:effectLst/>
+                <a:latin typeface="Arial" panose="020B0604020202020204" pitchFamily="34" charset="0"/>
+              </a:rPr>
+              <a:t> o Scrum master)</a:t>
+            </a:r>
+            <a:endParaRPr lang="es-ES" b="1" noProof="1">
+              <a:solidFill>
+                <a:schemeClr val="accent1"/>
+              </a:solidFill>
+            </a:endParaRPr>
+          </a:p>
+        </p:txBody>
+      </p:sp>
+      <p:graphicFrame>
+        <p:nvGraphicFramePr>
+          <p:cNvPr id="24" name="Marcador de contenido 2" descr="Marcador de posición de contenido de equipo">
+            <a:extLst>
+              <a:ext uri="{FF2B5EF4-FFF2-40B4-BE49-F238E27FC236}">
+                <a16:creationId xmlns:a16="http://schemas.microsoft.com/office/drawing/2014/main" id="{62E5FA6E-311D-4C12-B805-12877B4C3668}"/>
+              </a:ext>
+            </a:extLst>
+          </p:cNvPr>
+          <p:cNvGraphicFramePr>
+            <a:graphicFrameLocks noGrp="1"/>
+          </p:cNvGraphicFramePr>
+          <p:nvPr>
+            <p:ph sz="quarter" idx="13"/>
+            <p:extLst>
+              <p:ext uri="{D42A27DB-BD31-4B8C-83A1-F6EECF244321}">
+                <p14:modId xmlns:p14="http://schemas.microsoft.com/office/powerpoint/2010/main" val="101382900"/>
+              </p:ext>
+            </p:extLst>
+          </p:nvPr>
+        </p:nvGraphicFramePr>
+        <p:xfrm>
+          <a:off x="715963" y="733425"/>
+          <a:ext cx="9672637" cy="3462338"/>
+        </p:xfrm>
+        <a:graphic>
+          <a:graphicData uri="http://schemas.openxmlformats.org/drawingml/2006/diagram">
+            <dgm:relIds xmlns:dgm="http://schemas.openxmlformats.org/drawingml/2006/diagram" xmlns:r="http://schemas.openxmlformats.org/officeDocument/2006/relationships" r:dm="rId3" r:lo="rId4" r:qs="rId5" r:cs="rId6"/>
+          </a:graphicData>
+        </a:graphic>
+      </p:graphicFrame>
+      <p:sp>
+        <p:nvSpPr>
+          <p:cNvPr id="11" name="Marcador de fecha 10">
+            <a:extLst>
+              <a:ext uri="{FF2B5EF4-FFF2-40B4-BE49-F238E27FC236}">
+                <a16:creationId xmlns:a16="http://schemas.microsoft.com/office/drawing/2014/main" id="{BD68975C-4EF0-4B56-AB03-61D90E6847D9}"/>
+              </a:ext>
+            </a:extLst>
+          </p:cNvPr>
+          <p:cNvSpPr>
+            <a:spLocks noGrp="1"/>
+          </p:cNvSpPr>
+          <p:nvPr>
+            <p:ph type="dt" sz="half" idx="10"/>
+          </p:nvPr>
+        </p:nvSpPr>
+        <p:spPr/>
+        <p:txBody>
+          <a:bodyPr rtlCol="0"/>
+          <a:lstStyle/>
+          <a:p>
+            <a:pPr rtl="0"/>
+            <a:r>
+              <a:rPr lang="es-ES" dirty="0"/>
+              <a:t>17/06/2024</a:t>
+            </a:r>
+            <a:endParaRPr lang="es-ES" noProof="1"/>
+          </a:p>
+        </p:txBody>
+      </p:sp>
+      <p:sp>
+        <p:nvSpPr>
+          <p:cNvPr id="17" name="Marcador de pie de página 16">
+            <a:extLst>
+              <a:ext uri="{FF2B5EF4-FFF2-40B4-BE49-F238E27FC236}">
+                <a16:creationId xmlns:a16="http://schemas.microsoft.com/office/drawing/2014/main" id="{E6F05D51-B348-4E46-9332-FDA5A0AFF921}"/>
+              </a:ext>
+            </a:extLst>
+          </p:cNvPr>
+          <p:cNvSpPr>
+            <a:spLocks noGrp="1"/>
+          </p:cNvSpPr>
+          <p:nvPr>
+            <p:ph type="ftr" sz="quarter" idx="11"/>
+          </p:nvPr>
+        </p:nvSpPr>
+        <p:spPr/>
+        <p:txBody>
+          <a:bodyPr rtlCol="0" anchor="t"/>
+          <a:lstStyle/>
+          <a:p>
+            <a:pPr rtl="0"/>
+            <a:r>
+              <a:rPr lang="es-ES" b="1" noProof="1"/>
+              <a:t>JUEGOS CLÁSICOS EN PYTHON</a:t>
+            </a:r>
+          </a:p>
+        </p:txBody>
+      </p:sp>
+      <p:sp>
+        <p:nvSpPr>
+          <p:cNvPr id="18" name="Marcador de número de diapositiva 17">
+            <a:extLst>
+              <a:ext uri="{FF2B5EF4-FFF2-40B4-BE49-F238E27FC236}">
+                <a16:creationId xmlns:a16="http://schemas.microsoft.com/office/drawing/2014/main" id="{8B4F1708-F345-4EB5-9655-4B0102B9E565}"/>
+              </a:ext>
+            </a:extLst>
+          </p:cNvPr>
+          <p:cNvSpPr>
+            <a:spLocks noGrp="1"/>
+          </p:cNvSpPr>
+          <p:nvPr>
+            <p:ph type="sldNum" sz="quarter" idx="12"/>
+          </p:nvPr>
+        </p:nvSpPr>
+        <p:spPr/>
+        <p:txBody>
+          <a:bodyPr rtlCol="0"/>
+          <a:lstStyle/>
+          <a:p>
+            <a:pPr rtl="0"/>
+            <a:r>
+              <a:rPr lang="es-ES" noProof="1"/>
+              <a:t>2</a:t>
+            </a:r>
+          </a:p>
+        </p:txBody>
+      </p:sp>
+    </p:spTree>
+    <p:extLst>
+      <p:ext uri="{BB962C8B-B14F-4D97-AF65-F5344CB8AC3E}">
+        <p14:creationId xmlns:p14="http://schemas.microsoft.com/office/powerpoint/2010/main" val="3255580381"/>
+      </p:ext>
+    </p:extLst>
+  </p:cSld>
+  <p:clrMapOvr>
+    <a:masterClrMapping/>
+  </p:clrMapOvr>
+</p:sld>
+</file>
+
 <file path=ppt/slides/slide3.xml><?xml version="1.0" encoding="utf-8"?>
 <p:sld xmlns:a="http://schemas.openxmlformats.org/drawingml/2006/main" xmlns:r="http://schemas.openxmlformats.org/officeDocument/2006/relationships" xmlns:p="http://schemas.openxmlformats.org/presentationml/2006/main">
   <p:cSld>
@@ -12457,10 +12624,10 @@
       </p:grpSpPr>
       <p:sp>
         <p:nvSpPr>
-          <p:cNvPr id="12" name="Título 11">
+          <p:cNvPr id="15" name="Título 14">
             <a:extLst>
               <a:ext uri="{FF2B5EF4-FFF2-40B4-BE49-F238E27FC236}">
-                <a16:creationId xmlns:a16="http://schemas.microsoft.com/office/drawing/2014/main" id="{62CA1E89-F74D-4164-B92E-2F5324CCDDE7}"/>
+                <a16:creationId xmlns:a16="http://schemas.microsoft.com/office/drawing/2014/main" id="{029A8827-3374-4A11-8C85-AA2D78E9D5F2}"/>
               </a:ext>
             </a:extLst>
           </p:cNvPr>
@@ -12468,15 +12635,10 @@
             <a:spLocks noGrp="1"/>
           </p:cNvSpPr>
           <p:nvPr>
-            <p:ph type="ctrTitle"/>
-          </p:nvPr>
-        </p:nvSpPr>
-        <p:spPr>
-          <a:xfrm>
-            <a:off x="1027963" y="2517060"/>
-            <a:ext cx="8145533" cy="1020797"/>
-          </a:xfrm>
-        </p:spPr>
+            <p:ph type="title"/>
+          </p:nvPr>
+        </p:nvSpPr>
+        <p:spPr/>
         <p:txBody>
           <a:bodyPr rtlCol="0"/>
           <a:lstStyle/>
@@ -12488,51 +12650,38 @@
                   <a:schemeClr val="accent1"/>
                 </a:solidFill>
               </a:rPr>
-              <a:t>¿DUDAS?</a:t>
-            </a:r>
-            <a:endParaRPr lang="es-ES" dirty="0"/>
-          </a:p>
-        </p:txBody>
-      </p:sp>
-      <p:sp>
-        <p:nvSpPr>
-          <p:cNvPr id="15" name="Subtítulo 14">
-            <a:extLst>
-              <a:ext uri="{FF2B5EF4-FFF2-40B4-BE49-F238E27FC236}">
-                <a16:creationId xmlns:a16="http://schemas.microsoft.com/office/drawing/2014/main" id="{1F3F803E-A30E-4AFB-87E9-DCDDA41E15D5}"/>
-              </a:ext>
-            </a:extLst>
-          </p:cNvPr>
-          <p:cNvSpPr>
-            <a:spLocks noGrp="1"/>
-          </p:cNvSpPr>
-          <p:nvPr>
-            <p:ph type="subTitle" idx="1"/>
-          </p:nvPr>
-        </p:nvSpPr>
-        <p:spPr>
-          <a:xfrm>
-            <a:off x="1027961" y="4269546"/>
-            <a:ext cx="9106631" cy="1403153"/>
-          </a:xfrm>
-        </p:spPr>
-        <p:txBody>
-          <a:bodyPr rtlCol="0">
-            <a:normAutofit/>
-          </a:bodyPr>
-          <a:lstStyle/>
-          <a:p>
-            <a:pPr rtl="0"/>
-            <a:endParaRPr lang="es-ES" dirty="0"/>
+              <a:t>Presentación</a:t>
+            </a:r>
+            <a:r>
+              <a:rPr lang="es-ES" dirty="0">
+                <a:solidFill>
+                  <a:schemeClr val="accent1"/>
+                </a:solidFill>
+              </a:rPr>
+              <a:t>. </a:t>
+            </a:r>
+            <a:r>
+              <a:rPr lang="es-ES" b="1" noProof="1">
+                <a:solidFill>
+                  <a:schemeClr val="accent1"/>
+                </a:solidFill>
+              </a:rPr>
+              <a:t>CONTEXTO</a:t>
+            </a:r>
+            <a:endParaRPr lang="es-ES" dirty="0">
+              <a:solidFill>
+                <a:schemeClr val="accent1"/>
+              </a:solidFill>
+            </a:endParaRPr>
           </a:p>
         </p:txBody>
       </p:sp>
       <p:pic>
         <p:nvPicPr>
-          <p:cNvPr id="56" name="Marcador de posición de imagen 55" descr="Escritorio de oficina con revistas y portátil">
+          <p:cNvPr id="24" name="Marcador de posición de imagen 23" descr="Persona escribiendo en un cristal">
             <a:extLst>
               <a:ext uri="{FF2B5EF4-FFF2-40B4-BE49-F238E27FC236}">
-                <a16:creationId xmlns:a16="http://schemas.microsoft.com/office/drawing/2014/main" id="{851ACFD4-7AE2-413A-BD85-827474424325}"/>
+                <a16:creationId xmlns:a16="http://schemas.microsoft.com/office/drawing/2014/main" id="{E8D6D228-D684-4F0F-9A5A-880FC7432E4D}"/>
               </a:ext>
             </a:extLst>
           </p:cNvPr>
@@ -12545,22 +12694,139 @@
         </p:nvPicPr>
         <p:blipFill rotWithShape="1">
           <a:blip r:embed="rId3"/>
-          <a:srcRect t="5667" b="5667"/>
+          <a:srcRect l="7973" r="7973"/>
           <a:stretch/>
         </p:blipFill>
-        <p:spPr>
-          <a:xfrm>
-            <a:off x="381383" y="365108"/>
-            <a:ext cx="2569503" cy="1519237"/>
-          </a:xfrm>
-        </p:spPr>
+        <p:spPr/>
       </p:pic>
+      <p:sp>
+        <p:nvSpPr>
+          <p:cNvPr id="3" name="Marcador de contenido 2">
+            <a:extLst>
+              <a:ext uri="{FF2B5EF4-FFF2-40B4-BE49-F238E27FC236}">
+                <a16:creationId xmlns:a16="http://schemas.microsoft.com/office/drawing/2014/main" id="{A6FB2339-7A75-71EB-18B0-5EA662640FBC}"/>
+              </a:ext>
+            </a:extLst>
+          </p:cNvPr>
+          <p:cNvSpPr>
+            <a:spLocks noGrp="1"/>
+          </p:cNvSpPr>
+          <p:nvPr>
+            <p:ph idx="1"/>
+          </p:nvPr>
+        </p:nvSpPr>
+        <p:spPr/>
+        <p:txBody>
+          <a:bodyPr/>
+          <a:lstStyle/>
+          <a:p>
+            <a:r>
+              <a:rPr lang="es-ES" sz="1800" b="0" i="0" u="none" strike="noStrike" dirty="0">
+                <a:solidFill>
+                  <a:srgbClr val="741B47"/>
+                </a:solidFill>
+                <a:effectLst/>
+                <a:latin typeface="Arial" panose="020B0604020202020204" pitchFamily="34" charset="0"/>
+              </a:rPr>
+              <a:t>Quién es y qué nos pide el cliente, incluimos también las fases de proyecto hemos hecho</a:t>
+            </a:r>
+            <a:endParaRPr lang="es-ES" dirty="0"/>
+          </a:p>
+        </p:txBody>
+      </p:sp>
+      <p:sp>
+        <p:nvSpPr>
+          <p:cNvPr id="22" name="Marcador de pie de página 21">
+            <a:extLst>
+              <a:ext uri="{FF2B5EF4-FFF2-40B4-BE49-F238E27FC236}">
+                <a16:creationId xmlns:a16="http://schemas.microsoft.com/office/drawing/2014/main" id="{74D078E0-1675-4479-A2AB-9DD2016B8737}"/>
+              </a:ext>
+            </a:extLst>
+          </p:cNvPr>
+          <p:cNvSpPr>
+            <a:spLocks noGrp="1"/>
+          </p:cNvSpPr>
+          <p:nvPr>
+            <p:ph type="ftr" sz="quarter" idx="11"/>
+          </p:nvPr>
+        </p:nvSpPr>
+        <p:spPr/>
+        <p:txBody>
+          <a:bodyPr rtlCol="0"/>
+          <a:lstStyle/>
+          <a:p>
+            <a:pPr rtl="0"/>
+            <a:r>
+              <a:rPr lang="es-ES" b="1" noProof="1"/>
+              <a:t>JUEGOS CLÁSICOS EN PYTHON</a:t>
+            </a:r>
+          </a:p>
+        </p:txBody>
+      </p:sp>
+      <p:sp>
+        <p:nvSpPr>
+          <p:cNvPr id="21" name="Marcador de fecha 20">
+            <a:extLst>
+              <a:ext uri="{FF2B5EF4-FFF2-40B4-BE49-F238E27FC236}">
+                <a16:creationId xmlns:a16="http://schemas.microsoft.com/office/drawing/2014/main" id="{551729ED-2101-46C4-9017-38DC9EAB95D3}"/>
+              </a:ext>
+            </a:extLst>
+          </p:cNvPr>
+          <p:cNvSpPr>
+            <a:spLocks noGrp="1"/>
+          </p:cNvSpPr>
+          <p:nvPr>
+            <p:ph type="dt" sz="half" idx="10"/>
+          </p:nvPr>
+        </p:nvSpPr>
+        <p:spPr/>
+        <p:txBody>
+          <a:bodyPr rtlCol="0"/>
+          <a:lstStyle/>
+          <a:p>
+            <a:pPr rtl="0"/>
+            <a:r>
+              <a:rPr lang="es-ES" dirty="0"/>
+              <a:t>17/06/2024</a:t>
+            </a:r>
+          </a:p>
+        </p:txBody>
+      </p:sp>
+      <p:sp>
+        <p:nvSpPr>
+          <p:cNvPr id="23" name="Marcador de número de diapositiva 22">
+            <a:extLst>
+              <a:ext uri="{FF2B5EF4-FFF2-40B4-BE49-F238E27FC236}">
+                <a16:creationId xmlns:a16="http://schemas.microsoft.com/office/drawing/2014/main" id="{02E0DE71-4D88-4BC4-A247-4E1F6302359A}"/>
+              </a:ext>
+            </a:extLst>
+          </p:cNvPr>
+          <p:cNvSpPr>
+            <a:spLocks noGrp="1"/>
+          </p:cNvSpPr>
+          <p:nvPr>
+            <p:ph type="sldNum" sz="quarter" idx="12"/>
+          </p:nvPr>
+        </p:nvSpPr>
+        <p:spPr/>
+        <p:txBody>
+          <a:bodyPr rtlCol="0"/>
+          <a:lstStyle/>
+          <a:p>
+            <a:pPr rtl="0"/>
+            <a:r>
+              <a:rPr lang="es-ES" dirty="0"/>
+              <a:t>3</a:t>
+            </a:r>
+          </a:p>
+        </p:txBody>
+      </p:sp>
       <p:pic>
         <p:nvPicPr>
-          <p:cNvPr id="16" name="Marcador de posición de imagen 15" descr="Personas sonriendo mirando los teléfonos">
+          <p:cNvPr id="5" name="Marcador de posición de imagen 4" descr="Imagen que contiene sostener, niña, caminando, hombre&#10;&#10;Descripción generada automáticamente">
             <a:extLst>
               <a:ext uri="{FF2B5EF4-FFF2-40B4-BE49-F238E27FC236}">
-                <a16:creationId xmlns:a16="http://schemas.microsoft.com/office/drawing/2014/main" id="{951C9EE5-67DC-4D11-A65F-D5593538EB5F}"/>
+                <a16:creationId xmlns:a16="http://schemas.microsoft.com/office/drawing/2014/main" id="{A845EEB1-C0C5-40E6-184C-A682DB5808AF}"/>
               </a:ext>
             </a:extLst>
           </p:cNvPr>
@@ -12571,192 +12837,25 @@
             <p:ph type="pic" sz="quarter" idx="14"/>
           </p:nvPr>
         </p:nvPicPr>
-        <p:blipFill rotWithShape="1">
-          <a:blip r:embed="rId4" cstate="screen">
+        <p:blipFill>
+          <a:blip r:embed="rId4">
             <a:extLst>
               <a:ext uri="{28A0092B-C50C-407E-A947-70E740481C1C}">
                 <a14:useLocalDpi xmlns:a14="http://schemas.microsoft.com/office/drawing/2010/main" val="0"/>
               </a:ext>
             </a:extLst>
           </a:blip>
-          <a:srcRect/>
-          <a:stretch/>
+          <a:srcRect l="7952" r="7952"/>
+          <a:stretch>
+            <a:fillRect/>
+          </a:stretch>
         </p:blipFill>
-        <p:spPr>
-          <a:xfrm>
-            <a:off x="2951977" y="365108"/>
-            <a:ext cx="2587752" cy="1519237"/>
-          </a:xfrm>
-        </p:spPr>
+        <p:spPr/>
       </p:pic>
-      <p:pic>
-        <p:nvPicPr>
-          <p:cNvPr id="59" name="Marcador de posición de imagen 58" descr="Cojinete, calibre, lápiz, dibujo">
-            <a:extLst>
-              <a:ext uri="{FF2B5EF4-FFF2-40B4-BE49-F238E27FC236}">
-                <a16:creationId xmlns:a16="http://schemas.microsoft.com/office/drawing/2014/main" id="{D2240412-D79B-4C60-B913-5106FD854FAA}"/>
-              </a:ext>
-            </a:extLst>
-          </p:cNvPr>
-          <p:cNvPicPr>
-            <a:picLocks noGrp="1" noChangeAspect="1"/>
-          </p:cNvPicPr>
-          <p:nvPr>
-            <p:ph type="pic" sz="quarter" idx="15"/>
-          </p:nvPr>
-        </p:nvPicPr>
-        <p:blipFill rotWithShape="1">
-          <a:blip r:embed="rId5"/>
-          <a:srcRect t="5966" b="5966"/>
-          <a:stretch/>
-        </p:blipFill>
-        <p:spPr>
-          <a:xfrm>
-            <a:off x="5540820" y="365108"/>
-            <a:ext cx="2587752" cy="1519237"/>
-          </a:xfrm>
-        </p:spPr>
-      </p:pic>
-      <p:pic>
-        <p:nvPicPr>
-          <p:cNvPr id="25" name="Marcador de posición de imagen 24" descr="Reunión de personas en oficina ">
-            <a:extLst>
-              <a:ext uri="{FF2B5EF4-FFF2-40B4-BE49-F238E27FC236}">
-                <a16:creationId xmlns:a16="http://schemas.microsoft.com/office/drawing/2014/main" id="{9F31BB21-C729-4B21-98D7-F299E1DACE94}"/>
-              </a:ext>
-            </a:extLst>
-          </p:cNvPr>
-          <p:cNvPicPr>
-            <a:picLocks noGrp="1" noChangeAspect="1"/>
-          </p:cNvPicPr>
-          <p:nvPr>
-            <p:ph type="pic" sz="quarter" idx="16"/>
-          </p:nvPr>
-        </p:nvPicPr>
-        <p:blipFill rotWithShape="1">
-          <a:blip r:embed="rId6" cstate="screen">
-            <a:extLst>
-              <a:ext uri="{28A0092B-C50C-407E-A947-70E740481C1C}">
-                <a14:useLocalDpi xmlns:a14="http://schemas.microsoft.com/office/drawing/2010/main" val="0"/>
-              </a:ext>
-            </a:extLst>
-          </a:blip>
-          <a:srcRect/>
-          <a:stretch/>
-        </p:blipFill>
-        <p:spPr>
-          <a:xfrm>
-            <a:off x="8134743" y="365108"/>
-            <a:ext cx="2587752" cy="1519237"/>
-          </a:xfrm>
-        </p:spPr>
-      </p:pic>
-      <p:sp>
-        <p:nvSpPr>
-          <p:cNvPr id="41" name="Marcador de fecha 40">
-            <a:extLst>
-              <a:ext uri="{FF2B5EF4-FFF2-40B4-BE49-F238E27FC236}">
-                <a16:creationId xmlns:a16="http://schemas.microsoft.com/office/drawing/2014/main" id="{85808145-1D42-47CB-B22D-2381B930B069}"/>
-              </a:ext>
-            </a:extLst>
-          </p:cNvPr>
-          <p:cNvSpPr>
-            <a:spLocks noGrp="1"/>
-          </p:cNvSpPr>
-          <p:nvPr>
-            <p:ph type="dt" sz="half" idx="10"/>
-          </p:nvPr>
-        </p:nvSpPr>
-        <p:spPr>
-          <a:xfrm>
-            <a:off x="628652" y="6140304"/>
-            <a:ext cx="3154896" cy="287075"/>
-          </a:xfrm>
-        </p:spPr>
-        <p:txBody>
-          <a:bodyPr rtlCol="0"/>
-          <a:lstStyle/>
-          <a:p>
-            <a:pPr rtl="0"/>
-            <a:r>
-              <a:rPr lang="es-ES" dirty="0"/>
-              <a:t>17/06/2024</a:t>
-            </a:r>
-          </a:p>
-        </p:txBody>
-      </p:sp>
-      <p:sp>
-        <p:nvSpPr>
-          <p:cNvPr id="42" name="Marcador de pie de página 41">
-            <a:extLst>
-              <a:ext uri="{FF2B5EF4-FFF2-40B4-BE49-F238E27FC236}">
-                <a16:creationId xmlns:a16="http://schemas.microsoft.com/office/drawing/2014/main" id="{083788C2-6193-4C41-BDFE-949DB17F8725}"/>
-              </a:ext>
-            </a:extLst>
-          </p:cNvPr>
-          <p:cNvSpPr>
-            <a:spLocks noGrp="1"/>
-          </p:cNvSpPr>
-          <p:nvPr>
-            <p:ph type="ftr" sz="quarter" idx="11"/>
-          </p:nvPr>
-        </p:nvSpPr>
-        <p:spPr>
-          <a:xfrm rot="5400000">
-            <a:off x="9233562" y="2578525"/>
-            <a:ext cx="4114800" cy="365125"/>
-          </a:xfrm>
-        </p:spPr>
-        <p:txBody>
-          <a:bodyPr rtlCol="0"/>
-          <a:lstStyle/>
-          <a:p>
-            <a:pPr rtl="0"/>
-            <a:r>
-              <a:rPr lang="es-ES" b="1" noProof="1"/>
-              <a:t>JUEGOS CLÁSICOS EN PYTHON</a:t>
-            </a:r>
-          </a:p>
-        </p:txBody>
-      </p:sp>
-      <p:sp>
-        <p:nvSpPr>
-          <p:cNvPr id="43" name="Marcador de número de diapositiva 42">
-            <a:extLst>
-              <a:ext uri="{FF2B5EF4-FFF2-40B4-BE49-F238E27FC236}">
-                <a16:creationId xmlns:a16="http://schemas.microsoft.com/office/drawing/2014/main" id="{6A41C43B-C2F7-4C15-9A68-278D666DA326}"/>
-              </a:ext>
-            </a:extLst>
-          </p:cNvPr>
-          <p:cNvSpPr>
-            <a:spLocks noGrp="1"/>
-          </p:cNvSpPr>
-          <p:nvPr>
-            <p:ph type="sldNum" sz="quarter" idx="12"/>
-          </p:nvPr>
-        </p:nvSpPr>
-        <p:spPr>
-          <a:xfrm>
-            <a:off x="10821701" y="5672706"/>
-            <a:ext cx="951908" cy="754673"/>
-          </a:xfrm>
-        </p:spPr>
-        <p:txBody>
-          <a:bodyPr rtlCol="0"/>
-          <a:lstStyle/>
-          <a:p>
-            <a:pPr rtl="0"/>
-            <a:r>
-              <a:rPr lang="es-ES" dirty="0"/>
-              <a:t>9</a:t>
-            </a:r>
-          </a:p>
-        </p:txBody>
-      </p:sp>
     </p:spTree>
     <p:extLst>
       <p:ext uri="{BB962C8B-B14F-4D97-AF65-F5344CB8AC3E}">
-        <p14:creationId xmlns:p14="http://schemas.microsoft.com/office/powerpoint/2010/main" val="1594784619"/>
+        <p14:creationId xmlns:p14="http://schemas.microsoft.com/office/powerpoint/2010/main" val="913396457"/>
       </p:ext>
     </p:extLst>
   </p:cSld>
@@ -12816,7 +12915,7 @@
                   <a:schemeClr val="accent1"/>
                 </a:solidFill>
               </a:rPr>
-              <a:t>DEMO</a:t>
+              <a:t>CONTEXTO</a:t>
             </a:r>
           </a:p>
         </p:txBody>
@@ -12883,7 +12982,9 @@
           </a:bodyPr>
           <a:lstStyle/>
           <a:p>
-            <a:pPr rtl="0"/>
+            <a:pPr marL="0" indent="0" rtl="0">
+              <a:buNone/>
+            </a:pPr>
             <a:endParaRPr lang="es-ES" noProof="1"/>
           </a:p>
         </p:txBody>
@@ -13051,7 +13152,7 @@
             <a:pPr rtl="0"/>
             <a:r>
               <a:rPr lang="es-ES" noProof="1"/>
-              <a:t>8</a:t>
+              <a:t>5</a:t>
             </a:r>
           </a:p>
         </p:txBody>
@@ -13059,7 +13160,7 @@
     </p:spTree>
     <p:extLst>
       <p:ext uri="{BB962C8B-B14F-4D97-AF65-F5344CB8AC3E}">
-        <p14:creationId xmlns:p14="http://schemas.microsoft.com/office/powerpoint/2010/main" val="2236169645"/>
+        <p14:creationId xmlns:p14="http://schemas.microsoft.com/office/powerpoint/2010/main" val="3694374871"/>
       </p:ext>
     </p:extLst>
   </p:cSld>
@@ -13091,7 +13192,7 @@
           <p:cNvPr id="3" name="Título 2">
             <a:extLst>
               <a:ext uri="{FF2B5EF4-FFF2-40B4-BE49-F238E27FC236}">
-                <a16:creationId xmlns:a16="http://schemas.microsoft.com/office/drawing/2014/main" id="{C49D6D8D-4EF5-4265-88C3-9A7C15E6DEC4}"/>
+                <a16:creationId xmlns:a16="http://schemas.microsoft.com/office/drawing/2014/main" id="{884B2B35-06F8-4F5C-A618-6002214CE22A}"/>
               </a:ext>
             </a:extLst>
           </p:cNvPr>
@@ -13104,8 +13205,8 @@
         </p:nvSpPr>
         <p:spPr>
           <a:xfrm>
-            <a:off x="837513" y="586798"/>
-            <a:ext cx="9396733" cy="1086646"/>
+            <a:off x="838199" y="545914"/>
+            <a:ext cx="9527275" cy="1241944"/>
           </a:xfrm>
         </p:spPr>
         <p:txBody>
@@ -13119,17 +13220,29 @@
                   <a:schemeClr val="accent1"/>
                 </a:solidFill>
               </a:rPr>
-              <a:t>DESARROLLO DEL PROYECTO</a:t>
-            </a:r>
-          </a:p>
-        </p:txBody>
-      </p:sp>
-      <p:sp>
-        <p:nvSpPr>
-          <p:cNvPr id="19" name="Marcador de texto 18">
+              <a:t>Desarrollo</a:t>
+            </a:r>
+            <a:r>
+              <a:rPr lang="es-ES" noProof="1"/>
+              <a:t> </a:t>
+            </a:r>
+            <a:r>
+              <a:rPr lang="es-ES" b="1" noProof="1">
+                <a:solidFill>
+                  <a:schemeClr val="accent1"/>
+                </a:solidFill>
+              </a:rPr>
+              <a:t>del proyecto</a:t>
+            </a:r>
+          </a:p>
+        </p:txBody>
+      </p:sp>
+      <p:sp>
+        <p:nvSpPr>
+          <p:cNvPr id="15" name="Marcador de contenido 14">
             <a:extLst>
               <a:ext uri="{FF2B5EF4-FFF2-40B4-BE49-F238E27FC236}">
-                <a16:creationId xmlns:a16="http://schemas.microsoft.com/office/drawing/2014/main" id="{D4337333-5C0C-4BBC-9B33-936F96AD27BA}"/>
+                <a16:creationId xmlns:a16="http://schemas.microsoft.com/office/drawing/2014/main" id="{26392955-6557-4ED6-B174-E9F9D52D2E58}"/>
               </a:ext>
             </a:extLst>
           </p:cNvPr>
@@ -13137,47 +13250,13 @@
             <a:spLocks noGrp="1"/>
           </p:cNvSpPr>
           <p:nvPr>
-            <p:ph type="body" sz="quarter" idx="15"/>
+            <p:ph idx="1"/>
           </p:nvPr>
         </p:nvSpPr>
         <p:spPr>
           <a:xfrm>
-            <a:off x="837513" y="1673444"/>
-            <a:ext cx="4565283" cy="665481"/>
-          </a:xfrm>
-        </p:spPr>
-        <p:txBody>
-          <a:bodyPr rtlCol="0"/>
-          <a:lstStyle/>
-          <a:p>
-            <a:pPr rtl="0"/>
-            <a:r>
-              <a:rPr lang="es-ES" noProof="1"/>
-              <a:t>Subtítulo</a:t>
-            </a:r>
-          </a:p>
-        </p:txBody>
-      </p:sp>
-      <p:sp>
-        <p:nvSpPr>
-          <p:cNvPr id="11" name="Marcador de texto 10">
-            <a:extLst>
-              <a:ext uri="{FF2B5EF4-FFF2-40B4-BE49-F238E27FC236}">
-                <a16:creationId xmlns:a16="http://schemas.microsoft.com/office/drawing/2014/main" id="{8C803DE5-6EF0-4F28-8C50-C142E51B6F78}"/>
-              </a:ext>
-            </a:extLst>
-          </p:cNvPr>
-          <p:cNvSpPr>
-            <a:spLocks noGrp="1"/>
-          </p:cNvSpPr>
-          <p:nvPr>
-            <p:ph type="body" sz="quarter" idx="13"/>
-          </p:nvPr>
-        </p:nvSpPr>
-        <p:spPr>
-          <a:xfrm>
-            <a:off x="838200" y="2338927"/>
-            <a:ext cx="4565283" cy="3492908"/>
+            <a:off x="838200" y="2400300"/>
+            <a:ext cx="6025116" cy="3352226"/>
           </a:xfrm>
         </p:spPr>
         <p:txBody>
@@ -13186,82 +13265,95 @@
           </a:bodyPr>
           <a:lstStyle/>
           <a:p>
-            <a:pPr rtl="0"/>
+            <a:pPr rtl="0">
+              <a:spcBef>
+                <a:spcPts val="0"/>
+              </a:spcBef>
+              <a:spcAft>
+                <a:spcPts val="0"/>
+              </a:spcAft>
+            </a:pPr>
+            <a:r>
+              <a:rPr lang="es-ES" sz="1800" b="0" i="0" u="none" strike="noStrike" dirty="0">
+                <a:solidFill>
+                  <a:srgbClr val="741B47"/>
+                </a:solidFill>
+                <a:effectLst/>
+                <a:highlight>
+                  <a:srgbClr val="FFFFFF"/>
+                </a:highlight>
+                <a:latin typeface="Arial" panose="020B0604020202020204" pitchFamily="34" charset="0"/>
+              </a:rPr>
+              <a:t>¿</a:t>
+            </a:r>
+            <a:r>
+              <a:rPr lang="es-ES" sz="1800" b="0" i="0" u="none" strike="noStrike" dirty="0">
+                <a:solidFill>
+                  <a:srgbClr val="741B47"/>
+                </a:solidFill>
+                <a:effectLst/>
+                <a:latin typeface="Arial" panose="020B0604020202020204" pitchFamily="34" charset="0"/>
+              </a:rPr>
+              <a:t>Qué retos nos hemos encontrado?</a:t>
+            </a:r>
+            <a:endParaRPr lang="es-ES" b="0" dirty="0">
+              <a:effectLst/>
+            </a:endParaRPr>
+          </a:p>
+          <a:p>
+            <a:r>
+              <a:rPr lang="es-ES" sz="1800" b="0" i="0" u="none" strike="noStrike" dirty="0">
+                <a:solidFill>
+                  <a:srgbClr val="741B47"/>
+                </a:solidFill>
+                <a:effectLst/>
+                <a:highlight>
+                  <a:srgbClr val="FFFFFF"/>
+                </a:highlight>
+                <a:latin typeface="Arial" panose="020B0604020202020204" pitchFamily="34" charset="0"/>
+              </a:rPr>
+              <a:t>¿</a:t>
+            </a:r>
+            <a:r>
+              <a:rPr lang="es-ES" sz="1800" b="0" i="0" u="none" strike="noStrike" dirty="0">
+                <a:solidFill>
+                  <a:srgbClr val="741B47"/>
+                </a:solidFill>
+                <a:effectLst/>
+                <a:latin typeface="Arial" panose="020B0604020202020204" pitchFamily="34" charset="0"/>
+              </a:rPr>
+              <a:t>Qué hitos hemos conseguido?</a:t>
+            </a:r>
+          </a:p>
+          <a:p>
+            <a:endParaRPr lang="es-ES" sz="1800" noProof="1">
+              <a:solidFill>
+                <a:srgbClr val="741B47"/>
+              </a:solidFill>
+              <a:latin typeface="Arial" panose="020B0604020202020204" pitchFamily="34" charset="0"/>
+            </a:endParaRPr>
+          </a:p>
+          <a:p>
+            <a:r>
+              <a:rPr lang="es-ES" sz="1800" b="0" i="0" u="none" strike="noStrike" dirty="0">
+                <a:solidFill>
+                  <a:srgbClr val="741B47"/>
+                </a:solidFill>
+                <a:effectLst/>
+                <a:latin typeface="Arial" panose="020B0604020202020204" pitchFamily="34" charset="0"/>
+              </a:rPr>
+              <a:t>Breve resumen de la solución que planteamos al cliente</a:t>
+            </a:r>
             <a:endParaRPr lang="es-ES" noProof="1"/>
           </a:p>
         </p:txBody>
       </p:sp>
       <p:sp>
         <p:nvSpPr>
-          <p:cNvPr id="20" name="Marcador de texto 19">
+          <p:cNvPr id="18" name="Marcador de fecha 17">
             <a:extLst>
               <a:ext uri="{FF2B5EF4-FFF2-40B4-BE49-F238E27FC236}">
-                <a16:creationId xmlns:a16="http://schemas.microsoft.com/office/drawing/2014/main" id="{E633D0AA-8EC9-4074-835B-B9E8F510452A}"/>
-              </a:ext>
-            </a:extLst>
-          </p:cNvPr>
-          <p:cNvSpPr>
-            <a:spLocks noGrp="1"/>
-          </p:cNvSpPr>
-          <p:nvPr>
-            <p:ph type="body" sz="quarter" idx="16"/>
-          </p:nvPr>
-        </p:nvSpPr>
-        <p:spPr>
-          <a:xfrm>
-            <a:off x="5668963" y="1673444"/>
-            <a:ext cx="4565283" cy="665481"/>
-          </a:xfrm>
-        </p:spPr>
-        <p:txBody>
-          <a:bodyPr rtlCol="0"/>
-          <a:lstStyle/>
-          <a:p>
-            <a:pPr rtl="0"/>
-            <a:r>
-              <a:rPr lang="es-ES" noProof="1"/>
-              <a:t>Subtítulo</a:t>
-            </a:r>
-          </a:p>
-        </p:txBody>
-      </p:sp>
-      <p:sp>
-        <p:nvSpPr>
-          <p:cNvPr id="14" name="Marcador de texto 13">
-            <a:extLst>
-              <a:ext uri="{FF2B5EF4-FFF2-40B4-BE49-F238E27FC236}">
-                <a16:creationId xmlns:a16="http://schemas.microsoft.com/office/drawing/2014/main" id="{665DE900-AEA6-4993-B176-7D5A096CB419}"/>
-              </a:ext>
-            </a:extLst>
-          </p:cNvPr>
-          <p:cNvSpPr>
-            <a:spLocks noGrp="1"/>
-          </p:cNvSpPr>
-          <p:nvPr>
-            <p:ph type="body" sz="quarter" idx="14"/>
-          </p:nvPr>
-        </p:nvSpPr>
-        <p:spPr>
-          <a:xfrm>
-            <a:off x="5668963" y="2338927"/>
-            <a:ext cx="4565283" cy="3492908"/>
-          </a:xfrm>
-        </p:spPr>
-        <p:txBody>
-          <a:bodyPr rtlCol="0"/>
-          <a:lstStyle/>
-          <a:p>
-            <a:pPr rtl="0"/>
-            <a:endParaRPr lang="es-ES" noProof="1"/>
-          </a:p>
-        </p:txBody>
-      </p:sp>
-      <p:sp>
-        <p:nvSpPr>
-          <p:cNvPr id="16" name="Marcador de fecha 15">
-            <a:extLst>
-              <a:ext uri="{FF2B5EF4-FFF2-40B4-BE49-F238E27FC236}">
-                <a16:creationId xmlns:a16="http://schemas.microsoft.com/office/drawing/2014/main" id="{35B6F959-071F-405E-B695-6FF9DC27A080}"/>
+                <a16:creationId xmlns:a16="http://schemas.microsoft.com/office/drawing/2014/main" id="{9340F6AA-F9FD-46A1-A761-C0CE6F626BA1}"/>
               </a:ext>
             </a:extLst>
           </p:cNvPr>
@@ -13291,12 +13383,46 @@
           </a:p>
         </p:txBody>
       </p:sp>
-      <p:sp>
-        <p:nvSpPr>
-          <p:cNvPr id="17" name="Marcador de pie de página 16">
+      <p:pic>
+        <p:nvPicPr>
+          <p:cNvPr id="12" name="Marcador de posición de imagen 11" descr="Primer plano de una calculadora">
             <a:extLst>
               <a:ext uri="{FF2B5EF4-FFF2-40B4-BE49-F238E27FC236}">
-                <a16:creationId xmlns:a16="http://schemas.microsoft.com/office/drawing/2014/main" id="{9CC598A7-1589-4155-8E9E-6556F34CFFBF}"/>
+                <a16:creationId xmlns:a16="http://schemas.microsoft.com/office/drawing/2014/main" id="{C320AFE2-20CA-43D3-8E4E-28DBD9F9B755}"/>
+              </a:ext>
+            </a:extLst>
+          </p:cNvPr>
+          <p:cNvPicPr>
+            <a:picLocks noGrp="1"/>
+          </p:cNvPicPr>
+          <p:nvPr>
+            <p:ph type="pic" sz="quarter" idx="13"/>
+          </p:nvPr>
+        </p:nvPicPr>
+        <p:blipFill rotWithShape="1">
+          <a:blip r:embed="rId3" cstate="screen">
+            <a:extLst>
+              <a:ext uri="{28A0092B-C50C-407E-A947-70E740481C1C}">
+                <a14:useLocalDpi xmlns:a14="http://schemas.microsoft.com/office/drawing/2010/main" val="0"/>
+              </a:ext>
+            </a:extLst>
+          </a:blip>
+          <a:srcRect/>
+          <a:stretch/>
+        </p:blipFill>
+        <p:spPr>
+          <a:xfrm>
+            <a:off x="7269480" y="1928306"/>
+            <a:ext cx="3465576" cy="4105656"/>
+          </a:xfrm>
+        </p:spPr>
+      </p:pic>
+      <p:sp>
+        <p:nvSpPr>
+          <p:cNvPr id="19" name="Marcador de pie de página 18">
+            <a:extLst>
+              <a:ext uri="{FF2B5EF4-FFF2-40B4-BE49-F238E27FC236}">
+                <a16:creationId xmlns:a16="http://schemas.microsoft.com/office/drawing/2014/main" id="{CBBB7DCC-419E-4462-B49C-E0F2281E7226}"/>
               </a:ext>
             </a:extLst>
           </p:cNvPr>
@@ -13327,10 +13453,10 @@
       </p:sp>
       <p:sp>
         <p:nvSpPr>
-          <p:cNvPr id="18" name="Marcador de número de diapositiva 17">
+          <p:cNvPr id="20" name="Marcador de número de diapositiva 19">
             <a:extLst>
               <a:ext uri="{FF2B5EF4-FFF2-40B4-BE49-F238E27FC236}">
-                <a16:creationId xmlns:a16="http://schemas.microsoft.com/office/drawing/2014/main" id="{A9D29E60-58D1-45FC-8F2A-ADEF2F193CD0}"/>
+                <a16:creationId xmlns:a16="http://schemas.microsoft.com/office/drawing/2014/main" id="{206A6756-4AD0-48B1-A2A6-221571B100C2}"/>
               </a:ext>
             </a:extLst>
           </p:cNvPr>
@@ -13354,7 +13480,7 @@
             <a:pPr rtl="0"/>
             <a:r>
               <a:rPr lang="es-ES" noProof="1"/>
-              <a:t>7</a:t>
+              <a:t>4</a:t>
             </a:r>
           </a:p>
         </p:txBody>
@@ -13362,7 +13488,7 @@
     </p:spTree>
     <p:extLst>
       <p:ext uri="{BB962C8B-B14F-4D97-AF65-F5344CB8AC3E}">
-        <p14:creationId xmlns:p14="http://schemas.microsoft.com/office/powerpoint/2010/main" val="1310497923"/>
+        <p14:creationId xmlns:p14="http://schemas.microsoft.com/office/powerpoint/2010/main" val="1144966255"/>
       </p:ext>
     </p:extLst>
   </p:cSld>
@@ -13391,10 +13517,10 @@
       </p:grpSpPr>
       <p:sp>
         <p:nvSpPr>
-          <p:cNvPr id="12" name="Título 11">
+          <p:cNvPr id="3" name="Título 2">
             <a:extLst>
               <a:ext uri="{FF2B5EF4-FFF2-40B4-BE49-F238E27FC236}">
-                <a16:creationId xmlns:a16="http://schemas.microsoft.com/office/drawing/2014/main" id="{62CA1E89-F74D-4164-B92E-2F5324CCDDE7}"/>
+                <a16:creationId xmlns:a16="http://schemas.microsoft.com/office/drawing/2014/main" id="{C49D6D8D-4EF5-4265-88C3-9A7C15E6DEC4}"/>
               </a:ext>
             </a:extLst>
           </p:cNvPr>
@@ -13402,13 +13528,13 @@
             <a:spLocks noGrp="1"/>
           </p:cNvSpPr>
           <p:nvPr>
-            <p:ph type="ctrTitle"/>
+            <p:ph type="title"/>
           </p:nvPr>
         </p:nvSpPr>
         <p:spPr>
           <a:xfrm>
-            <a:off x="1027963" y="2517060"/>
-            <a:ext cx="8145533" cy="1020797"/>
+            <a:off x="837513" y="586798"/>
+            <a:ext cx="9396733" cy="1086646"/>
           </a:xfrm>
         </p:spPr>
         <p:txBody>
@@ -13417,22 +13543,22 @@
           <a:p>
             <a:pPr rtl="0"/>
             <a:r>
-              <a:rPr lang="es-ES" b="1" dirty="0">
+              <a:rPr lang="es-ES" b="1" noProof="1">
                 <a:solidFill>
                   <a:schemeClr val="accent1"/>
                 </a:solidFill>
               </a:rPr>
-              <a:t>Resumen</a:t>
-            </a:r>
-          </a:p>
-        </p:txBody>
-      </p:sp>
-      <p:sp>
-        <p:nvSpPr>
-          <p:cNvPr id="15" name="Subtítulo 14">
+              <a:t>DESARROLLO DEL PROYECTO</a:t>
+            </a:r>
+          </a:p>
+        </p:txBody>
+      </p:sp>
+      <p:sp>
+        <p:nvSpPr>
+          <p:cNvPr id="19" name="Marcador de texto 18">
             <a:extLst>
               <a:ext uri="{FF2B5EF4-FFF2-40B4-BE49-F238E27FC236}">
-                <a16:creationId xmlns:a16="http://schemas.microsoft.com/office/drawing/2014/main" id="{1F3F803E-A30E-4AFB-87E9-DCDDA41E15D5}"/>
+                <a16:creationId xmlns:a16="http://schemas.microsoft.com/office/drawing/2014/main" id="{D4337333-5C0C-4BBC-9B33-936F96AD27BA}"/>
               </a:ext>
             </a:extLst>
           </p:cNvPr>
@@ -13440,13 +13566,47 @@
             <a:spLocks noGrp="1"/>
           </p:cNvSpPr>
           <p:nvPr>
-            <p:ph type="subTitle" idx="1"/>
+            <p:ph type="body" sz="quarter" idx="15"/>
           </p:nvPr>
         </p:nvSpPr>
         <p:spPr>
           <a:xfrm>
-            <a:off x="1027961" y="4269546"/>
-            <a:ext cx="9106631" cy="1403153"/>
+            <a:off x="837513" y="1673444"/>
+            <a:ext cx="4565283" cy="665481"/>
+          </a:xfrm>
+        </p:spPr>
+        <p:txBody>
+          <a:bodyPr rtlCol="0"/>
+          <a:lstStyle/>
+          <a:p>
+            <a:pPr rtl="0"/>
+            <a:r>
+              <a:rPr lang="es-ES" noProof="1"/>
+              <a:t>Subtítulo</a:t>
+            </a:r>
+          </a:p>
+        </p:txBody>
+      </p:sp>
+      <p:sp>
+        <p:nvSpPr>
+          <p:cNvPr id="11" name="Marcador de texto 10">
+            <a:extLst>
+              <a:ext uri="{FF2B5EF4-FFF2-40B4-BE49-F238E27FC236}">
+                <a16:creationId xmlns:a16="http://schemas.microsoft.com/office/drawing/2014/main" id="{8C803DE5-6EF0-4F28-8C50-C142E51B6F78}"/>
+              </a:ext>
+            </a:extLst>
+          </p:cNvPr>
+          <p:cNvSpPr>
+            <a:spLocks noGrp="1"/>
+          </p:cNvSpPr>
+          <p:nvPr>
+            <p:ph type="body" sz="quarter" idx="13"/>
+          </p:nvPr>
+        </p:nvSpPr>
+        <p:spPr>
+          <a:xfrm>
+            <a:off x="838200" y="2338927"/>
+            <a:ext cx="4565283" cy="3492908"/>
           </a:xfrm>
         </p:spPr>
         <p:txBody>
@@ -13456,140 +13616,81 @@
           <a:lstStyle/>
           <a:p>
             <a:pPr rtl="0"/>
-            <a:endParaRPr lang="es-ES" dirty="0"/>
-          </a:p>
-        </p:txBody>
-      </p:sp>
-      <p:pic>
-        <p:nvPicPr>
-          <p:cNvPr id="56" name="Marcador de posición de imagen 55" descr="Escritorio de oficina con revistas y portátil">
+            <a:endParaRPr lang="es-ES" noProof="1"/>
+          </a:p>
+        </p:txBody>
+      </p:sp>
+      <p:sp>
+        <p:nvSpPr>
+          <p:cNvPr id="20" name="Marcador de texto 19">
             <a:extLst>
               <a:ext uri="{FF2B5EF4-FFF2-40B4-BE49-F238E27FC236}">
-                <a16:creationId xmlns:a16="http://schemas.microsoft.com/office/drawing/2014/main" id="{851ACFD4-7AE2-413A-BD85-827474424325}"/>
+                <a16:creationId xmlns:a16="http://schemas.microsoft.com/office/drawing/2014/main" id="{E633D0AA-8EC9-4074-835B-B9E8F510452A}"/>
               </a:ext>
             </a:extLst>
           </p:cNvPr>
-          <p:cNvPicPr>
-            <a:picLocks noGrp="1" noChangeAspect="1"/>
-          </p:cNvPicPr>
-          <p:nvPr>
-            <p:ph type="pic" sz="quarter" idx="13"/>
-          </p:nvPr>
-        </p:nvPicPr>
-        <p:blipFill rotWithShape="1">
-          <a:blip r:embed="rId3"/>
-          <a:srcRect t="5667" b="5667"/>
-          <a:stretch/>
-        </p:blipFill>
+          <p:cNvSpPr>
+            <a:spLocks noGrp="1"/>
+          </p:cNvSpPr>
+          <p:nvPr>
+            <p:ph type="body" sz="quarter" idx="16"/>
+          </p:nvPr>
+        </p:nvSpPr>
         <p:spPr>
           <a:xfrm>
-            <a:off x="381383" y="365108"/>
-            <a:ext cx="2569503" cy="1519237"/>
+            <a:off x="5668963" y="1673444"/>
+            <a:ext cx="4565283" cy="665481"/>
           </a:xfrm>
         </p:spPr>
-      </p:pic>
-      <p:pic>
-        <p:nvPicPr>
-          <p:cNvPr id="16" name="Marcador de posición de imagen 15" descr="Personas sonriendo mirando los teléfonos">
+        <p:txBody>
+          <a:bodyPr rtlCol="0"/>
+          <a:lstStyle/>
+          <a:p>
+            <a:pPr rtl="0"/>
+            <a:r>
+              <a:rPr lang="es-ES" noProof="1"/>
+              <a:t>Subtítulo</a:t>
+            </a:r>
+          </a:p>
+        </p:txBody>
+      </p:sp>
+      <p:sp>
+        <p:nvSpPr>
+          <p:cNvPr id="14" name="Marcador de texto 13">
             <a:extLst>
               <a:ext uri="{FF2B5EF4-FFF2-40B4-BE49-F238E27FC236}">
-                <a16:creationId xmlns:a16="http://schemas.microsoft.com/office/drawing/2014/main" id="{951C9EE5-67DC-4D11-A65F-D5593538EB5F}"/>
+                <a16:creationId xmlns:a16="http://schemas.microsoft.com/office/drawing/2014/main" id="{665DE900-AEA6-4993-B176-7D5A096CB419}"/>
               </a:ext>
             </a:extLst>
           </p:cNvPr>
-          <p:cNvPicPr>
-            <a:picLocks noGrp="1" noChangeAspect="1"/>
-          </p:cNvPicPr>
-          <p:nvPr>
-            <p:ph type="pic" sz="quarter" idx="14"/>
-          </p:nvPr>
-        </p:nvPicPr>
-        <p:blipFill rotWithShape="1">
-          <a:blip r:embed="rId4" cstate="screen">
-            <a:extLst>
-              <a:ext uri="{28A0092B-C50C-407E-A947-70E740481C1C}">
-                <a14:useLocalDpi xmlns:a14="http://schemas.microsoft.com/office/drawing/2010/main" val="0"/>
-              </a:ext>
-            </a:extLst>
-          </a:blip>
-          <a:srcRect/>
-          <a:stretch/>
-        </p:blipFill>
+          <p:cNvSpPr>
+            <a:spLocks noGrp="1"/>
+          </p:cNvSpPr>
+          <p:nvPr>
+            <p:ph type="body" sz="quarter" idx="14"/>
+          </p:nvPr>
+        </p:nvSpPr>
         <p:spPr>
           <a:xfrm>
-            <a:off x="2951977" y="365108"/>
-            <a:ext cx="2587752" cy="1519237"/>
+            <a:off x="5668963" y="2338927"/>
+            <a:ext cx="4565283" cy="3492908"/>
           </a:xfrm>
         </p:spPr>
-      </p:pic>
-      <p:pic>
-        <p:nvPicPr>
-          <p:cNvPr id="59" name="Marcador de posición de imagen 58" descr="Cojinete, calibre, lápiz, dibujo">
+        <p:txBody>
+          <a:bodyPr rtlCol="0"/>
+          <a:lstStyle/>
+          <a:p>
+            <a:pPr rtl="0"/>
+            <a:endParaRPr lang="es-ES" noProof="1"/>
+          </a:p>
+        </p:txBody>
+      </p:sp>
+      <p:sp>
+        <p:nvSpPr>
+          <p:cNvPr id="16" name="Marcador de fecha 15">
             <a:extLst>
               <a:ext uri="{FF2B5EF4-FFF2-40B4-BE49-F238E27FC236}">
-                <a16:creationId xmlns:a16="http://schemas.microsoft.com/office/drawing/2014/main" id="{D2240412-D79B-4C60-B913-5106FD854FAA}"/>
-              </a:ext>
-            </a:extLst>
-          </p:cNvPr>
-          <p:cNvPicPr>
-            <a:picLocks noGrp="1" noChangeAspect="1"/>
-          </p:cNvPicPr>
-          <p:nvPr>
-            <p:ph type="pic" sz="quarter" idx="15"/>
-          </p:nvPr>
-        </p:nvPicPr>
-        <p:blipFill rotWithShape="1">
-          <a:blip r:embed="rId5"/>
-          <a:srcRect t="5966" b="5966"/>
-          <a:stretch/>
-        </p:blipFill>
-        <p:spPr>
-          <a:xfrm>
-            <a:off x="5540820" y="365108"/>
-            <a:ext cx="2587752" cy="1519237"/>
-          </a:xfrm>
-        </p:spPr>
-      </p:pic>
-      <p:pic>
-        <p:nvPicPr>
-          <p:cNvPr id="25" name="Marcador de posición de imagen 24" descr="Reunión de personas en oficina ">
-            <a:extLst>
-              <a:ext uri="{FF2B5EF4-FFF2-40B4-BE49-F238E27FC236}">
-                <a16:creationId xmlns:a16="http://schemas.microsoft.com/office/drawing/2014/main" id="{9F31BB21-C729-4B21-98D7-F299E1DACE94}"/>
-              </a:ext>
-            </a:extLst>
-          </p:cNvPr>
-          <p:cNvPicPr>
-            <a:picLocks noGrp="1" noChangeAspect="1"/>
-          </p:cNvPicPr>
-          <p:nvPr>
-            <p:ph type="pic" sz="quarter" idx="16"/>
-          </p:nvPr>
-        </p:nvPicPr>
-        <p:blipFill rotWithShape="1">
-          <a:blip r:embed="rId6" cstate="screen">
-            <a:extLst>
-              <a:ext uri="{28A0092B-C50C-407E-A947-70E740481C1C}">
-                <a14:useLocalDpi xmlns:a14="http://schemas.microsoft.com/office/drawing/2010/main" val="0"/>
-              </a:ext>
-            </a:extLst>
-          </a:blip>
-          <a:srcRect/>
-          <a:stretch/>
-        </p:blipFill>
-        <p:spPr>
-          <a:xfrm>
-            <a:off x="8134743" y="365108"/>
-            <a:ext cx="2587752" cy="1519237"/>
-          </a:xfrm>
-        </p:spPr>
-      </p:pic>
-      <p:sp>
-        <p:nvSpPr>
-          <p:cNvPr id="41" name="Marcador de fecha 40">
-            <a:extLst>
-              <a:ext uri="{FF2B5EF4-FFF2-40B4-BE49-F238E27FC236}">
-                <a16:creationId xmlns:a16="http://schemas.microsoft.com/office/drawing/2014/main" id="{85808145-1D42-47CB-B22D-2381B930B069}"/>
+                <a16:creationId xmlns:a16="http://schemas.microsoft.com/office/drawing/2014/main" id="{35B6F959-071F-405E-B695-6FF9DC27A080}"/>
               </a:ext>
             </a:extLst>
           </p:cNvPr>
@@ -13615,15 +13716,16 @@
               <a:rPr lang="es-ES" dirty="0"/>
               <a:t>17/06/2024</a:t>
             </a:r>
-          </a:p>
-        </p:txBody>
-      </p:sp>
-      <p:sp>
-        <p:nvSpPr>
-          <p:cNvPr id="42" name="Marcador de pie de página 41">
+            <a:endParaRPr lang="es-ES" noProof="1"/>
+          </a:p>
+        </p:txBody>
+      </p:sp>
+      <p:sp>
+        <p:nvSpPr>
+          <p:cNvPr id="17" name="Marcador de pie de página 16">
             <a:extLst>
               <a:ext uri="{FF2B5EF4-FFF2-40B4-BE49-F238E27FC236}">
-                <a16:creationId xmlns:a16="http://schemas.microsoft.com/office/drawing/2014/main" id="{083788C2-6193-4C41-BDFE-949DB17F8725}"/>
+                <a16:creationId xmlns:a16="http://schemas.microsoft.com/office/drawing/2014/main" id="{9CC598A7-1589-4155-8E9E-6556F34CFFBF}"/>
               </a:ext>
             </a:extLst>
           </p:cNvPr>
@@ -13654,10 +13756,10 @@
       </p:sp>
       <p:sp>
         <p:nvSpPr>
-          <p:cNvPr id="43" name="Marcador de número de diapositiva 42">
+          <p:cNvPr id="18" name="Marcador de número de diapositiva 17">
             <a:extLst>
               <a:ext uri="{FF2B5EF4-FFF2-40B4-BE49-F238E27FC236}">
-                <a16:creationId xmlns:a16="http://schemas.microsoft.com/office/drawing/2014/main" id="{6A41C43B-C2F7-4C15-9A68-278D666DA326}"/>
+                <a16:creationId xmlns:a16="http://schemas.microsoft.com/office/drawing/2014/main" id="{A9D29E60-58D1-45FC-8F2A-ADEF2F193CD0}"/>
               </a:ext>
             </a:extLst>
           </p:cNvPr>
@@ -13679,19 +13781,17 @@
           <a:lstStyle/>
           <a:p>
             <a:pPr rtl="0"/>
-            <a:fld id="{CE0B4D92-8F8B-47B9-9884-2F4ECA2EC99E}" type="slidenum">
-              <a:rPr lang="es-ES" smtClean="0"/>
-              <a:pPr rtl="0"/>
-              <a:t>6</a:t>
-            </a:fld>
-            <a:endParaRPr lang="es-ES"/>
+            <a:r>
+              <a:rPr lang="es-ES" noProof="1"/>
+              <a:t>7</a:t>
+            </a:r>
           </a:p>
         </p:txBody>
       </p:sp>
     </p:spTree>
     <p:extLst>
       <p:ext uri="{BB962C8B-B14F-4D97-AF65-F5344CB8AC3E}">
-        <p14:creationId xmlns:p14="http://schemas.microsoft.com/office/powerpoint/2010/main" val="390419980"/>
+        <p14:creationId xmlns:p14="http://schemas.microsoft.com/office/powerpoint/2010/main" val="1310497923"/>
       </p:ext>
     </p:extLst>
   </p:cSld>
@@ -13751,7 +13851,7 @@
                   <a:schemeClr val="accent1"/>
                 </a:solidFill>
               </a:rPr>
-              <a:t>CONTEXTO</a:t>
+              <a:t>DEMO</a:t>
             </a:r>
           </a:p>
         </p:txBody>
@@ -13818,9 +13918,20 @@
           </a:bodyPr>
           <a:lstStyle/>
           <a:p>
-            <a:pPr marL="0" indent="0" rtl="0">
-              <a:buNone/>
-            </a:pPr>
+            <a:pPr rtl="0"/>
+            <a:r>
+              <a:rPr lang="es-ES" sz="1800" b="0" i="0" u="none" strike="noStrike" dirty="0">
+                <a:solidFill>
+                  <a:srgbClr val="741B47"/>
+                </a:solidFill>
+                <a:effectLst/>
+                <a:highlight>
+                  <a:srgbClr val="FFFFFF"/>
+                </a:highlight>
+                <a:latin typeface="Arial" panose="020B0604020202020204" pitchFamily="34" charset="0"/>
+              </a:rPr>
+              <a:t>Mostramos el resultado y funcionamiento de las cosas que hemos hecho</a:t>
+            </a:r>
             <a:endParaRPr lang="es-ES" noProof="1"/>
           </a:p>
         </p:txBody>
@@ -13988,7 +14099,7 @@
             <a:pPr rtl="0"/>
             <a:r>
               <a:rPr lang="es-ES" noProof="1"/>
-              <a:t>5</a:t>
+              <a:t>8</a:t>
             </a:r>
           </a:p>
         </p:txBody>
@@ -13996,7 +14107,7 @@
     </p:spTree>
     <p:extLst>
       <p:ext uri="{BB962C8B-B14F-4D97-AF65-F5344CB8AC3E}">
-        <p14:creationId xmlns:p14="http://schemas.microsoft.com/office/powerpoint/2010/main" val="3694374871"/>
+        <p14:creationId xmlns:p14="http://schemas.microsoft.com/office/powerpoint/2010/main" val="2236169645"/>
       </p:ext>
     </p:extLst>
   </p:cSld>
@@ -14025,10 +14136,10 @@
       </p:grpSpPr>
       <p:sp>
         <p:nvSpPr>
-          <p:cNvPr id="3" name="Título 2">
+          <p:cNvPr id="12" name="Título 11">
             <a:extLst>
               <a:ext uri="{FF2B5EF4-FFF2-40B4-BE49-F238E27FC236}">
-                <a16:creationId xmlns:a16="http://schemas.microsoft.com/office/drawing/2014/main" id="{884B2B35-06F8-4F5C-A618-6002214CE22A}"/>
+                <a16:creationId xmlns:a16="http://schemas.microsoft.com/office/drawing/2014/main" id="{62CA1E89-F74D-4164-B92E-2F5324CCDDE7}"/>
               </a:ext>
             </a:extLst>
           </p:cNvPr>
@@ -14036,13 +14147,13 @@
             <a:spLocks noGrp="1"/>
           </p:cNvSpPr>
           <p:nvPr>
-            <p:ph type="title"/>
+            <p:ph type="ctrTitle"/>
           </p:nvPr>
         </p:nvSpPr>
         <p:spPr>
           <a:xfrm>
-            <a:off x="838199" y="545914"/>
-            <a:ext cx="9527275" cy="1241944"/>
+            <a:off x="1027963" y="2517060"/>
+            <a:ext cx="8145533" cy="1020797"/>
           </a:xfrm>
         </p:spPr>
         <p:txBody>
@@ -14051,34 +14162,22 @@
           <a:p>
             <a:pPr rtl="0"/>
             <a:r>
-              <a:rPr lang="es-ES" b="1" noProof="1">
+              <a:rPr lang="es-ES" b="1" dirty="0">
                 <a:solidFill>
                   <a:schemeClr val="accent1"/>
                 </a:solidFill>
               </a:rPr>
-              <a:t>Desarrollo</a:t>
-            </a:r>
-            <a:r>
-              <a:rPr lang="es-ES" noProof="1"/>
-              <a:t> </a:t>
-            </a:r>
-            <a:r>
-              <a:rPr lang="es-ES" b="1" noProof="1">
-                <a:solidFill>
-                  <a:schemeClr val="accent1"/>
-                </a:solidFill>
-              </a:rPr>
-              <a:t>del proyecto</a:t>
-            </a:r>
-          </a:p>
-        </p:txBody>
-      </p:sp>
-      <p:sp>
-        <p:nvSpPr>
-          <p:cNvPr id="15" name="Marcador de contenido 14">
+              <a:t>Resumen</a:t>
+            </a:r>
+          </a:p>
+        </p:txBody>
+      </p:sp>
+      <p:sp>
+        <p:nvSpPr>
+          <p:cNvPr id="15" name="Subtítulo 14">
             <a:extLst>
               <a:ext uri="{FF2B5EF4-FFF2-40B4-BE49-F238E27FC236}">
-                <a16:creationId xmlns:a16="http://schemas.microsoft.com/office/drawing/2014/main" id="{26392955-6557-4ED6-B174-E9F9D52D2E58}"/>
+                <a16:creationId xmlns:a16="http://schemas.microsoft.com/office/drawing/2014/main" id="{1F3F803E-A30E-4AFB-87E9-DCDDA41E15D5}"/>
               </a:ext>
             </a:extLst>
           </p:cNvPr>
@@ -14086,13 +14185,13 @@
             <a:spLocks noGrp="1"/>
           </p:cNvSpPr>
           <p:nvPr>
-            <p:ph idx="1"/>
+            <p:ph type="subTitle" idx="1"/>
           </p:nvPr>
         </p:nvSpPr>
         <p:spPr>
           <a:xfrm>
-            <a:off x="838200" y="2400300"/>
-            <a:ext cx="6025116" cy="3352226"/>
+            <a:off x="1027961" y="4269546"/>
+            <a:ext cx="9106631" cy="1403153"/>
           </a:xfrm>
         </p:spPr>
         <p:txBody>
@@ -14102,16 +14201,46 @@
           <a:lstStyle/>
           <a:p>
             <a:pPr rtl="0"/>
-            <a:endParaRPr lang="es-ES" noProof="1"/>
-          </a:p>
-        </p:txBody>
-      </p:sp>
-      <p:sp>
-        <p:nvSpPr>
-          <p:cNvPr id="18" name="Marcador de fecha 17">
+            <a:r>
+              <a:rPr lang="es-ES" sz="1800" b="0" i="0" u="none" strike="noStrike" dirty="0">
+                <a:solidFill>
+                  <a:srgbClr val="741B47"/>
+                </a:solidFill>
+                <a:effectLst/>
+                <a:latin typeface="Arial" panose="020B0604020202020204" pitchFamily="34" charset="0"/>
+              </a:rPr>
+              <a:t>Next </a:t>
+            </a:r>
+            <a:r>
+              <a:rPr lang="es-ES" sz="1800" b="0" i="0" u="none" strike="noStrike" dirty="0" err="1">
+                <a:solidFill>
+                  <a:srgbClr val="741B47"/>
+                </a:solidFill>
+                <a:effectLst/>
+                <a:latin typeface="Arial" panose="020B0604020202020204" pitchFamily="34" charset="0"/>
+              </a:rPr>
+              <a:t>steps</a:t>
+            </a:r>
+            <a:r>
+              <a:rPr lang="es-ES" sz="1800" b="0" i="0" u="none" strike="noStrike" dirty="0">
+                <a:solidFill>
+                  <a:srgbClr val="741B47"/>
+                </a:solidFill>
+                <a:effectLst/>
+                <a:latin typeface="Arial" panose="020B0604020202020204" pitchFamily="34" charset="0"/>
+              </a:rPr>
+              <a:t> y conclusiones finales</a:t>
+            </a:r>
+            <a:endParaRPr lang="es-ES" dirty="0"/>
+          </a:p>
+        </p:txBody>
+      </p:sp>
+      <p:sp>
+        <p:nvSpPr>
+          <p:cNvPr id="41" name="Marcador de fecha 40">
             <a:extLst>
               <a:ext uri="{FF2B5EF4-FFF2-40B4-BE49-F238E27FC236}">
-                <a16:creationId xmlns:a16="http://schemas.microsoft.com/office/drawing/2014/main" id="{9340F6AA-F9FD-46A1-A761-C0CE6F626BA1}"/>
+                <a16:creationId xmlns:a16="http://schemas.microsoft.com/office/drawing/2014/main" id="{85808145-1D42-47CB-B22D-2381B930B069}"/>
               </a:ext>
             </a:extLst>
           </p:cNvPr>
@@ -14137,50 +14266,15 @@
               <a:rPr lang="es-ES" dirty="0"/>
               <a:t>17/06/2024</a:t>
             </a:r>
-            <a:endParaRPr lang="es-ES" noProof="1"/>
-          </a:p>
-        </p:txBody>
-      </p:sp>
-      <p:pic>
-        <p:nvPicPr>
-          <p:cNvPr id="12" name="Marcador de posición de imagen 11" descr="Primer plano de una calculadora">
+          </a:p>
+        </p:txBody>
+      </p:sp>
+      <p:sp>
+        <p:nvSpPr>
+          <p:cNvPr id="42" name="Marcador de pie de página 41">
             <a:extLst>
               <a:ext uri="{FF2B5EF4-FFF2-40B4-BE49-F238E27FC236}">
-                <a16:creationId xmlns:a16="http://schemas.microsoft.com/office/drawing/2014/main" id="{C320AFE2-20CA-43D3-8E4E-28DBD9F9B755}"/>
-              </a:ext>
-            </a:extLst>
-          </p:cNvPr>
-          <p:cNvPicPr>
-            <a:picLocks noGrp="1"/>
-          </p:cNvPicPr>
-          <p:nvPr>
-            <p:ph type="pic" sz="quarter" idx="13"/>
-          </p:nvPr>
-        </p:nvPicPr>
-        <p:blipFill rotWithShape="1">
-          <a:blip r:embed="rId3" cstate="screen">
-            <a:extLst>
-              <a:ext uri="{28A0092B-C50C-407E-A947-70E740481C1C}">
-                <a14:useLocalDpi xmlns:a14="http://schemas.microsoft.com/office/drawing/2010/main" val="0"/>
-              </a:ext>
-            </a:extLst>
-          </a:blip>
-          <a:srcRect/>
-          <a:stretch/>
-        </p:blipFill>
-        <p:spPr>
-          <a:xfrm>
-            <a:off x="7269480" y="1928306"/>
-            <a:ext cx="3465576" cy="4105656"/>
-          </a:xfrm>
-        </p:spPr>
-      </p:pic>
-      <p:sp>
-        <p:nvSpPr>
-          <p:cNvPr id="19" name="Marcador de pie de página 18">
-            <a:extLst>
-              <a:ext uri="{FF2B5EF4-FFF2-40B4-BE49-F238E27FC236}">
-                <a16:creationId xmlns:a16="http://schemas.microsoft.com/office/drawing/2014/main" id="{CBBB7DCC-419E-4462-B49C-E0F2281E7226}"/>
+                <a16:creationId xmlns:a16="http://schemas.microsoft.com/office/drawing/2014/main" id="{083788C2-6193-4C41-BDFE-949DB17F8725}"/>
               </a:ext>
             </a:extLst>
           </p:cNvPr>
@@ -14211,10 +14305,10 @@
       </p:sp>
       <p:sp>
         <p:nvSpPr>
-          <p:cNvPr id="20" name="Marcador de número de diapositiva 19">
+          <p:cNvPr id="43" name="Marcador de número de diapositiva 42">
             <a:extLst>
               <a:ext uri="{FF2B5EF4-FFF2-40B4-BE49-F238E27FC236}">
-                <a16:creationId xmlns:a16="http://schemas.microsoft.com/office/drawing/2014/main" id="{206A6756-4AD0-48B1-A2A6-221571B100C2}"/>
+                <a16:creationId xmlns:a16="http://schemas.microsoft.com/office/drawing/2014/main" id="{6A41C43B-C2F7-4C15-9A68-278D666DA326}"/>
               </a:ext>
             </a:extLst>
           </p:cNvPr>
@@ -14236,17 +14330,148 @@
           <a:lstStyle/>
           <a:p>
             <a:pPr rtl="0"/>
-            <a:r>
-              <a:rPr lang="es-ES" noProof="1"/>
-              <a:t>4</a:t>
-            </a:r>
-          </a:p>
-        </p:txBody>
-      </p:sp>
+            <a:fld id="{CE0B4D92-8F8B-47B9-9884-2F4ECA2EC99E}" type="slidenum">
+              <a:rPr lang="es-ES" smtClean="0"/>
+              <a:pPr rtl="0"/>
+              <a:t>8</a:t>
+            </a:fld>
+            <a:endParaRPr lang="es-ES"/>
+          </a:p>
+        </p:txBody>
+      </p:sp>
+      <p:pic>
+        <p:nvPicPr>
+          <p:cNvPr id="11" name="Marcador de posición de imagen 10" descr="Imagen que contiene sostener, niña, caminando, hombre&#10;&#10;Descripción generada automáticamente">
+            <a:extLst>
+              <a:ext uri="{FF2B5EF4-FFF2-40B4-BE49-F238E27FC236}">
+                <a16:creationId xmlns:a16="http://schemas.microsoft.com/office/drawing/2014/main" id="{FAD54E43-6786-3C4C-AB27-CD794CE3F66E}"/>
+              </a:ext>
+            </a:extLst>
+          </p:cNvPr>
+          <p:cNvPicPr>
+            <a:picLocks noGrp="1" noChangeAspect="1"/>
+          </p:cNvPicPr>
+          <p:nvPr>
+            <p:ph type="pic" sz="quarter" idx="13"/>
+          </p:nvPr>
+        </p:nvPicPr>
+        <p:blipFill>
+          <a:blip r:embed="rId3">
+            <a:extLst>
+              <a:ext uri="{28A0092B-C50C-407E-A947-70E740481C1C}">
+                <a14:useLocalDpi xmlns:a14="http://schemas.microsoft.com/office/drawing/2010/main" val="0"/>
+              </a:ext>
+            </a:extLst>
+          </a:blip>
+          <a:srcRect t="5689" b="5689"/>
+          <a:stretch>
+            <a:fillRect/>
+          </a:stretch>
+        </p:blipFill>
+        <p:spPr/>
+      </p:pic>
+      <p:pic>
+        <p:nvPicPr>
+          <p:cNvPr id="14" name="Marcador de posición de imagen 13" descr="Interfaz de usuario gráfica&#10;&#10;Descripción generada automáticamente">
+            <a:extLst>
+              <a:ext uri="{FF2B5EF4-FFF2-40B4-BE49-F238E27FC236}">
+                <a16:creationId xmlns:a16="http://schemas.microsoft.com/office/drawing/2014/main" id="{57122EE2-AD8E-9540-1B09-C702A14F7B69}"/>
+              </a:ext>
+            </a:extLst>
+          </p:cNvPr>
+          <p:cNvPicPr>
+            <a:picLocks noGrp="1" noChangeAspect="1"/>
+          </p:cNvPicPr>
+          <p:nvPr>
+            <p:ph type="pic" sz="quarter" idx="14"/>
+          </p:nvPr>
+        </p:nvPicPr>
+        <p:blipFill>
+          <a:blip r:embed="rId4">
+            <a:extLst>
+              <a:ext uri="{28A0092B-C50C-407E-A947-70E740481C1C}">
+                <a14:useLocalDpi xmlns:a14="http://schemas.microsoft.com/office/drawing/2010/main" val="0"/>
+              </a:ext>
+            </a:extLst>
+          </a:blip>
+          <a:srcRect l="12730" r="12730"/>
+          <a:stretch>
+            <a:fillRect/>
+          </a:stretch>
+        </p:blipFill>
+        <p:spPr>
+          <a:xfrm>
+            <a:off x="2951977" y="365108"/>
+            <a:ext cx="2587752" cy="1519237"/>
+          </a:xfrm>
+        </p:spPr>
+      </p:pic>
+      <p:pic>
+        <p:nvPicPr>
+          <p:cNvPr id="18" name="Marcador de posición de imagen 17">
+            <a:extLst>
+              <a:ext uri="{FF2B5EF4-FFF2-40B4-BE49-F238E27FC236}">
+                <a16:creationId xmlns:a16="http://schemas.microsoft.com/office/drawing/2014/main" id="{D1FAE093-222B-4BDD-262B-71EBBF1E1FD6}"/>
+              </a:ext>
+            </a:extLst>
+          </p:cNvPr>
+          <p:cNvPicPr>
+            <a:picLocks noGrp="1" noChangeAspect="1"/>
+          </p:cNvPicPr>
+          <p:nvPr>
+            <p:ph type="pic" sz="quarter" idx="15"/>
+          </p:nvPr>
+        </p:nvPicPr>
+        <p:blipFill>
+          <a:blip r:embed="rId5">
+            <a:extLst>
+              <a:ext uri="{28A0092B-C50C-407E-A947-70E740481C1C}">
+                <a14:useLocalDpi xmlns:a14="http://schemas.microsoft.com/office/drawing/2010/main" val="0"/>
+              </a:ext>
+            </a:extLst>
+          </a:blip>
+          <a:srcRect t="8465" b="8465"/>
+          <a:stretch>
+            <a:fillRect/>
+          </a:stretch>
+        </p:blipFill>
+        <p:spPr/>
+      </p:pic>
+      <p:pic>
+        <p:nvPicPr>
+          <p:cNvPr id="20" name="Marcador de posición de imagen 19" descr="Imagen de la pantalla de un celular con texto e imágenes de una persona&#10;&#10;Descripción generada automáticamente con confianza media">
+            <a:extLst>
+              <a:ext uri="{FF2B5EF4-FFF2-40B4-BE49-F238E27FC236}">
+                <a16:creationId xmlns:a16="http://schemas.microsoft.com/office/drawing/2014/main" id="{B1B9DB83-6E97-5EB1-137D-0B079E21FE81}"/>
+              </a:ext>
+            </a:extLst>
+          </p:cNvPr>
+          <p:cNvPicPr>
+            <a:picLocks noGrp="1" noChangeAspect="1"/>
+          </p:cNvPicPr>
+          <p:nvPr>
+            <p:ph type="pic" sz="quarter" idx="16"/>
+          </p:nvPr>
+        </p:nvPicPr>
+        <p:blipFill>
+          <a:blip r:embed="rId6">
+            <a:extLst>
+              <a:ext uri="{28A0092B-C50C-407E-A947-70E740481C1C}">
+                <a14:useLocalDpi xmlns:a14="http://schemas.microsoft.com/office/drawing/2010/main" val="0"/>
+              </a:ext>
+            </a:extLst>
+          </a:blip>
+          <a:srcRect t="3031" b="3031"/>
+          <a:stretch>
+            <a:fillRect/>
+          </a:stretch>
+        </p:blipFill>
+        <p:spPr/>
+      </p:pic>
     </p:spTree>
     <p:extLst>
       <p:ext uri="{BB962C8B-B14F-4D97-AF65-F5344CB8AC3E}">
-        <p14:creationId xmlns:p14="http://schemas.microsoft.com/office/powerpoint/2010/main" val="1144966255"/>
+        <p14:creationId xmlns:p14="http://schemas.microsoft.com/office/powerpoint/2010/main" val="390419980"/>
       </p:ext>
     </p:extLst>
   </p:cSld>
@@ -14275,10 +14500,10 @@
       </p:grpSpPr>
       <p:sp>
         <p:nvSpPr>
-          <p:cNvPr id="15" name="Título 14">
+          <p:cNvPr id="12" name="Título 11">
             <a:extLst>
               <a:ext uri="{FF2B5EF4-FFF2-40B4-BE49-F238E27FC236}">
-                <a16:creationId xmlns:a16="http://schemas.microsoft.com/office/drawing/2014/main" id="{029A8827-3374-4A11-8C85-AA2D78E9D5F2}"/>
+                <a16:creationId xmlns:a16="http://schemas.microsoft.com/office/drawing/2014/main" id="{62CA1E89-F74D-4164-B92E-2F5324CCDDE7}"/>
               </a:ext>
             </a:extLst>
           </p:cNvPr>
@@ -14286,10 +14511,15 @@
             <a:spLocks noGrp="1"/>
           </p:cNvSpPr>
           <p:nvPr>
-            <p:ph type="title"/>
-          </p:nvPr>
-        </p:nvSpPr>
-        <p:spPr/>
+            <p:ph type="ctrTitle"/>
+          </p:nvPr>
+        </p:nvSpPr>
+        <p:spPr>
+          <a:xfrm>
+            <a:off x="1027963" y="2517060"/>
+            <a:ext cx="8145533" cy="1020797"/>
+          </a:xfrm>
+        </p:spPr>
         <p:txBody>
           <a:bodyPr rtlCol="0"/>
           <a:lstStyle/>
@@ -14301,25 +14531,153 @@
                   <a:schemeClr val="accent1"/>
                 </a:solidFill>
               </a:rPr>
-              <a:t>Presentación</a:t>
-            </a:r>
-            <a:r>
-              <a:rPr lang="es-ES" dirty="0">
-                <a:solidFill>
-                  <a:schemeClr val="accent1"/>
-                </a:solidFill>
-              </a:rPr>
-              <a:t>.</a:t>
+              <a:t>¿DUDAS?</a:t>
+            </a:r>
+            <a:endParaRPr lang="es-ES" dirty="0"/>
+          </a:p>
+        </p:txBody>
+      </p:sp>
+      <p:sp>
+        <p:nvSpPr>
+          <p:cNvPr id="15" name="Subtítulo 14">
+            <a:extLst>
+              <a:ext uri="{FF2B5EF4-FFF2-40B4-BE49-F238E27FC236}">
+                <a16:creationId xmlns:a16="http://schemas.microsoft.com/office/drawing/2014/main" id="{1F3F803E-A30E-4AFB-87E9-DCDDA41E15D5}"/>
+              </a:ext>
+            </a:extLst>
+          </p:cNvPr>
+          <p:cNvSpPr>
+            <a:spLocks noGrp="1"/>
+          </p:cNvSpPr>
+          <p:nvPr>
+            <p:ph type="subTitle" idx="1"/>
+          </p:nvPr>
+        </p:nvSpPr>
+        <p:spPr>
+          <a:xfrm>
+            <a:off x="1027961" y="4269546"/>
+            <a:ext cx="9106631" cy="1403153"/>
+          </a:xfrm>
+        </p:spPr>
+        <p:txBody>
+          <a:bodyPr rtlCol="0">
+            <a:normAutofit/>
+          </a:bodyPr>
+          <a:lstStyle/>
+          <a:p>
+            <a:pPr rtl="0"/>
+            <a:endParaRPr lang="es-ES" dirty="0"/>
+          </a:p>
+        </p:txBody>
+      </p:sp>
+      <p:sp>
+        <p:nvSpPr>
+          <p:cNvPr id="41" name="Marcador de fecha 40">
+            <a:extLst>
+              <a:ext uri="{FF2B5EF4-FFF2-40B4-BE49-F238E27FC236}">
+                <a16:creationId xmlns:a16="http://schemas.microsoft.com/office/drawing/2014/main" id="{85808145-1D42-47CB-B22D-2381B930B069}"/>
+              </a:ext>
+            </a:extLst>
+          </p:cNvPr>
+          <p:cNvSpPr>
+            <a:spLocks noGrp="1"/>
+          </p:cNvSpPr>
+          <p:nvPr>
+            <p:ph type="dt" sz="half" idx="10"/>
+          </p:nvPr>
+        </p:nvSpPr>
+        <p:spPr>
+          <a:xfrm>
+            <a:off x="628652" y="6140304"/>
+            <a:ext cx="3154896" cy="287075"/>
+          </a:xfrm>
+        </p:spPr>
+        <p:txBody>
+          <a:bodyPr rtlCol="0"/>
+          <a:lstStyle/>
+          <a:p>
+            <a:pPr rtl="0"/>
+            <a:r>
+              <a:rPr lang="es-ES" dirty="0"/>
+              <a:t>17/06/2024</a:t>
+            </a:r>
+          </a:p>
+        </p:txBody>
+      </p:sp>
+      <p:sp>
+        <p:nvSpPr>
+          <p:cNvPr id="42" name="Marcador de pie de página 41">
+            <a:extLst>
+              <a:ext uri="{FF2B5EF4-FFF2-40B4-BE49-F238E27FC236}">
+                <a16:creationId xmlns:a16="http://schemas.microsoft.com/office/drawing/2014/main" id="{083788C2-6193-4C41-BDFE-949DB17F8725}"/>
+              </a:ext>
+            </a:extLst>
+          </p:cNvPr>
+          <p:cNvSpPr>
+            <a:spLocks noGrp="1"/>
+          </p:cNvSpPr>
+          <p:nvPr>
+            <p:ph type="ftr" sz="quarter" idx="11"/>
+          </p:nvPr>
+        </p:nvSpPr>
+        <p:spPr>
+          <a:xfrm rot="5400000">
+            <a:off x="9233562" y="2578525"/>
+            <a:ext cx="4114800" cy="365125"/>
+          </a:xfrm>
+        </p:spPr>
+        <p:txBody>
+          <a:bodyPr rtlCol="0"/>
+          <a:lstStyle/>
+          <a:p>
+            <a:pPr rtl="0"/>
+            <a:r>
+              <a:rPr lang="es-ES" b="1" noProof="1"/>
+              <a:t>JUEGOS CLÁSICOS EN PYTHON</a:t>
+            </a:r>
+          </a:p>
+        </p:txBody>
+      </p:sp>
+      <p:sp>
+        <p:nvSpPr>
+          <p:cNvPr id="43" name="Marcador de número de diapositiva 42">
+            <a:extLst>
+              <a:ext uri="{FF2B5EF4-FFF2-40B4-BE49-F238E27FC236}">
+                <a16:creationId xmlns:a16="http://schemas.microsoft.com/office/drawing/2014/main" id="{6A41C43B-C2F7-4C15-9A68-278D666DA326}"/>
+              </a:ext>
+            </a:extLst>
+          </p:cNvPr>
+          <p:cNvSpPr>
+            <a:spLocks noGrp="1"/>
+          </p:cNvSpPr>
+          <p:nvPr>
+            <p:ph type="sldNum" sz="quarter" idx="12"/>
+          </p:nvPr>
+        </p:nvSpPr>
+        <p:spPr>
+          <a:xfrm>
+            <a:off x="10821701" y="5672706"/>
+            <a:ext cx="951908" cy="754673"/>
+          </a:xfrm>
+        </p:spPr>
+        <p:txBody>
+          <a:bodyPr rtlCol="0"/>
+          <a:lstStyle/>
+          <a:p>
+            <a:pPr rtl="0"/>
+            <a:r>
+              <a:rPr lang="es-ES" dirty="0"/>
+              <a:t>9</a:t>
             </a:r>
           </a:p>
         </p:txBody>
       </p:sp>
       <p:pic>
         <p:nvPicPr>
-          <p:cNvPr id="24" name="Marcador de posición de imagen 23" descr="Persona escribiendo en un cristal">
+          <p:cNvPr id="11" name="Marcador de posición de imagen 10">
             <a:extLst>
               <a:ext uri="{FF2B5EF4-FFF2-40B4-BE49-F238E27FC236}">
-                <a16:creationId xmlns:a16="http://schemas.microsoft.com/office/drawing/2014/main" id="{E8D6D228-D684-4F0F-9A5A-880FC7432E4D}"/>
+                <a16:creationId xmlns:a16="http://schemas.microsoft.com/office/drawing/2014/main" id="{98D858D4-7565-6CCE-74C6-9ADF13188A12}"/>
               </a:ext>
             </a:extLst>
           </p:cNvPr>
@@ -14330,19 +14688,27 @@
             <p:ph type="pic" sz="quarter" idx="13"/>
           </p:nvPr>
         </p:nvPicPr>
-        <p:blipFill rotWithShape="1">
-          <a:blip r:embed="rId3"/>
-          <a:srcRect l="7973" r="7973"/>
-          <a:stretch/>
+        <p:blipFill>
+          <a:blip r:embed="rId3">
+            <a:extLst>
+              <a:ext uri="{28A0092B-C50C-407E-A947-70E740481C1C}">
+                <a14:useLocalDpi xmlns:a14="http://schemas.microsoft.com/office/drawing/2010/main" val="0"/>
+              </a:ext>
+            </a:extLst>
+          </a:blip>
+          <a:srcRect t="8183" b="8183"/>
+          <a:stretch>
+            <a:fillRect/>
+          </a:stretch>
         </p:blipFill>
         <p:spPr/>
       </p:pic>
       <p:pic>
         <p:nvPicPr>
-          <p:cNvPr id="12" name="Marcador de posición de imagen 11" descr="Persona que escribe en un equipo portátil">
+          <p:cNvPr id="14" name="Marcador de posición de imagen 13" descr="Imagen de la pantalla de un video juego de un hombre&#10;&#10;Descripción generada automáticamente con confianza media">
             <a:extLst>
               <a:ext uri="{FF2B5EF4-FFF2-40B4-BE49-F238E27FC236}">
-                <a16:creationId xmlns:a16="http://schemas.microsoft.com/office/drawing/2014/main" id="{5C6EB4F4-2E2A-4AA4-BE26-B5AA4D3BDF00}"/>
+                <a16:creationId xmlns:a16="http://schemas.microsoft.com/office/drawing/2014/main" id="{9B86440F-404A-E8DA-FA7A-1B5DBA6F2BE0}"/>
               </a:ext>
             </a:extLst>
           </p:cNvPr>
@@ -14353,138 +14719,87 @@
             <p:ph type="pic" sz="quarter" idx="14"/>
           </p:nvPr>
         </p:nvPicPr>
-        <p:blipFill rotWithShape="1">
-          <a:blip r:embed="rId4" cstate="screen">
+        <p:blipFill>
+          <a:blip r:embed="rId4">
             <a:extLst>
               <a:ext uri="{28A0092B-C50C-407E-A947-70E740481C1C}">
                 <a14:useLocalDpi xmlns:a14="http://schemas.microsoft.com/office/drawing/2010/main" val="0"/>
               </a:ext>
             </a:extLst>
           </a:blip>
-          <a:srcRect l="134" r="134"/>
-          <a:stretch/>
+          <a:srcRect l="2150" r="2150"/>
+          <a:stretch>
+            <a:fillRect/>
+          </a:stretch>
         </p:blipFill>
         <p:spPr/>
       </p:pic>
-      <p:sp>
-        <p:nvSpPr>
-          <p:cNvPr id="3" name="Marcador de contenido 2">
+      <p:pic>
+        <p:nvPicPr>
+          <p:cNvPr id="18" name="Marcador de posición de imagen 17" descr="Interfaz de usuario gráfica, Sitio web&#10;&#10;Descripción generada automáticamente">
             <a:extLst>
               <a:ext uri="{FF2B5EF4-FFF2-40B4-BE49-F238E27FC236}">
-                <a16:creationId xmlns:a16="http://schemas.microsoft.com/office/drawing/2014/main" id="{A6FB2339-7A75-71EB-18B0-5EA662640FBC}"/>
+                <a16:creationId xmlns:a16="http://schemas.microsoft.com/office/drawing/2014/main" id="{CDE635FE-9F2D-1D60-0274-52E36567760E}"/>
               </a:ext>
             </a:extLst>
           </p:cNvPr>
-          <p:cNvSpPr>
-            <a:spLocks noGrp="1"/>
-          </p:cNvSpPr>
-          <p:nvPr>
-            <p:ph idx="1"/>
-          </p:nvPr>
-        </p:nvSpPr>
+          <p:cNvPicPr>
+            <a:picLocks noGrp="1" noChangeAspect="1"/>
+          </p:cNvPicPr>
+          <p:nvPr>
+            <p:ph type="pic" sz="quarter" idx="15"/>
+          </p:nvPr>
+        </p:nvPicPr>
+        <p:blipFill>
+          <a:blip r:embed="rId5">
+            <a:extLst>
+              <a:ext uri="{28A0092B-C50C-407E-A947-70E740481C1C}">
+                <a14:useLocalDpi xmlns:a14="http://schemas.microsoft.com/office/drawing/2010/main" val="0"/>
+              </a:ext>
+            </a:extLst>
+          </a:blip>
+          <a:srcRect l="4654" r="4654"/>
+          <a:stretch>
+            <a:fillRect/>
+          </a:stretch>
+        </p:blipFill>
         <p:spPr/>
-        <p:txBody>
-          <a:bodyPr/>
-          <a:lstStyle/>
-          <a:p>
-            <a:r>
-              <a:rPr lang="es-ES" dirty="0"/>
-              <a:t>¿Quiénes somos?</a:t>
-            </a:r>
-          </a:p>
-        </p:txBody>
-      </p:sp>
-      <p:sp>
-        <p:nvSpPr>
-          <p:cNvPr id="22" name="Marcador de pie de página 21">
+      </p:pic>
+      <p:pic>
+        <p:nvPicPr>
+          <p:cNvPr id="20" name="Marcador de posición de imagen 19" descr="Imagen de la pantalla de un celular con texto e imágenes de una persona&#10;&#10;Descripción generada automáticamente con confianza media">
             <a:extLst>
               <a:ext uri="{FF2B5EF4-FFF2-40B4-BE49-F238E27FC236}">
-                <a16:creationId xmlns:a16="http://schemas.microsoft.com/office/drawing/2014/main" id="{74D078E0-1675-4479-A2AB-9DD2016B8737}"/>
+                <a16:creationId xmlns:a16="http://schemas.microsoft.com/office/drawing/2014/main" id="{232E2567-A90C-F537-E633-45A70D9772B0}"/>
               </a:ext>
             </a:extLst>
           </p:cNvPr>
-          <p:cNvSpPr>
-            <a:spLocks noGrp="1"/>
-          </p:cNvSpPr>
-          <p:nvPr>
-            <p:ph type="ftr" sz="quarter" idx="11"/>
-          </p:nvPr>
-        </p:nvSpPr>
+          <p:cNvPicPr>
+            <a:picLocks noGrp="1" noChangeAspect="1"/>
+          </p:cNvPicPr>
+          <p:nvPr>
+            <p:ph type="pic" sz="quarter" idx="16"/>
+          </p:nvPr>
+        </p:nvPicPr>
+        <p:blipFill>
+          <a:blip r:embed="rId6">
+            <a:extLst>
+              <a:ext uri="{28A0092B-C50C-407E-A947-70E740481C1C}">
+                <a14:useLocalDpi xmlns:a14="http://schemas.microsoft.com/office/drawing/2010/main" val="0"/>
+              </a:ext>
+            </a:extLst>
+          </a:blip>
+          <a:srcRect t="3031" b="3031"/>
+          <a:stretch>
+            <a:fillRect/>
+          </a:stretch>
+        </p:blipFill>
         <p:spPr/>
-        <p:txBody>
-          <a:bodyPr rtlCol="0"/>
-          <a:lstStyle/>
-          <a:p>
-            <a:pPr rtl="0"/>
-            <a:r>
-              <a:rPr lang="es-ES" b="1" noProof="1"/>
-              <a:t>JUEGOS CLÁSICOS EN PYTHON</a:t>
-            </a:r>
-          </a:p>
-        </p:txBody>
-      </p:sp>
-      <p:sp>
-        <p:nvSpPr>
-          <p:cNvPr id="21" name="Marcador de fecha 20">
-            <a:extLst>
-              <a:ext uri="{FF2B5EF4-FFF2-40B4-BE49-F238E27FC236}">
-                <a16:creationId xmlns:a16="http://schemas.microsoft.com/office/drawing/2014/main" id="{551729ED-2101-46C4-9017-38DC9EAB95D3}"/>
-              </a:ext>
-            </a:extLst>
-          </p:cNvPr>
-          <p:cNvSpPr>
-            <a:spLocks noGrp="1"/>
-          </p:cNvSpPr>
-          <p:nvPr>
-            <p:ph type="dt" sz="half" idx="10"/>
-          </p:nvPr>
-        </p:nvSpPr>
-        <p:spPr/>
-        <p:txBody>
-          <a:bodyPr rtlCol="0"/>
-          <a:lstStyle/>
-          <a:p>
-            <a:pPr rtl="0"/>
-            <a:r>
-              <a:rPr lang="es-ES" dirty="0"/>
-              <a:t>17/06/2024</a:t>
-            </a:r>
-          </a:p>
-        </p:txBody>
-      </p:sp>
-      <p:sp>
-        <p:nvSpPr>
-          <p:cNvPr id="23" name="Marcador de número de diapositiva 22">
-            <a:extLst>
-              <a:ext uri="{FF2B5EF4-FFF2-40B4-BE49-F238E27FC236}">
-                <a16:creationId xmlns:a16="http://schemas.microsoft.com/office/drawing/2014/main" id="{02E0DE71-4D88-4BC4-A247-4E1F6302359A}"/>
-              </a:ext>
-            </a:extLst>
-          </p:cNvPr>
-          <p:cNvSpPr>
-            <a:spLocks noGrp="1"/>
-          </p:cNvSpPr>
-          <p:nvPr>
-            <p:ph type="sldNum" sz="quarter" idx="12"/>
-          </p:nvPr>
-        </p:nvSpPr>
-        <p:spPr/>
-        <p:txBody>
-          <a:bodyPr rtlCol="0"/>
-          <a:lstStyle/>
-          <a:p>
-            <a:pPr rtl="0"/>
-            <a:r>
-              <a:rPr lang="es-ES" dirty="0"/>
-              <a:t>3</a:t>
-            </a:r>
-          </a:p>
-        </p:txBody>
-      </p:sp>
+      </p:pic>
     </p:spTree>
     <p:extLst>
       <p:ext uri="{BB962C8B-B14F-4D97-AF65-F5344CB8AC3E}">
-        <p14:creationId xmlns:p14="http://schemas.microsoft.com/office/powerpoint/2010/main" val="913396457"/>
+        <p14:creationId xmlns:p14="http://schemas.microsoft.com/office/powerpoint/2010/main" val="1594784619"/>
       </p:ext>
     </p:extLst>
   </p:cSld>
